--- a/数据通路图.pptx
+++ b/数据通路图.pptx
@@ -104,6 +104,11 @@
       </a:defRPr>
     </a:lvl9pPr>
   </p:defaultTextStyle>
+  <p:extLst>
+    <p:ext uri="{EFAFB233-063F-42B5-8137-9DF3F51BA10A}">
+      <p15:sldGuideLst xmlns:p15="http://schemas.microsoft.com/office/powerpoint/2012/main"/>
+    </p:ext>
+  </p:extLst>
 </p:presentation>
 </file>
 
@@ -2972,8 +2977,8 @@
         </p:nvSpPr>
         <p:spPr>
           <a:xfrm>
-            <a:off x="980954" y="616540"/>
-            <a:ext cx="834190" cy="529390"/>
+            <a:off x="1292880" y="820646"/>
+            <a:ext cx="522264" cy="529390"/>
           </a:xfrm>
           <a:prstGeom prst="rect">
             <a:avLst/>
@@ -3016,8 +3021,8 @@
         </p:nvSpPr>
         <p:spPr>
           <a:xfrm>
-            <a:off x="980954" y="1258225"/>
-            <a:ext cx="834190" cy="529390"/>
+            <a:off x="1292880" y="1462331"/>
+            <a:ext cx="522264" cy="529390"/>
           </a:xfrm>
           <a:prstGeom prst="rect">
             <a:avLst/>
@@ -3060,8 +3065,8 @@
         </p:nvSpPr>
         <p:spPr>
           <a:xfrm>
-            <a:off x="980954" y="1899910"/>
-            <a:ext cx="834190" cy="529390"/>
+            <a:off x="1292880" y="2104016"/>
+            <a:ext cx="522264" cy="529390"/>
           </a:xfrm>
           <a:prstGeom prst="rect">
             <a:avLst/>
@@ -3104,8 +3109,8 @@
         </p:nvSpPr>
         <p:spPr>
           <a:xfrm>
-            <a:off x="980954" y="2541595"/>
-            <a:ext cx="834190" cy="529390"/>
+            <a:off x="1292880" y="2745701"/>
+            <a:ext cx="522264" cy="529390"/>
           </a:xfrm>
           <a:prstGeom prst="rect">
             <a:avLst/>
@@ -3148,7 +3153,7 @@
         </p:nvSpPr>
         <p:spPr>
           <a:xfrm>
-            <a:off x="2512973" y="1438699"/>
+            <a:off x="2512973" y="1642805"/>
             <a:ext cx="1066800" cy="922421"/>
           </a:xfrm>
           <a:prstGeom prst="rect">
@@ -3195,7 +3200,7 @@
         </p:nvCxnSpPr>
         <p:spPr>
           <a:xfrm>
-            <a:off x="1815144" y="881235"/>
+            <a:off x="1815144" y="1085341"/>
             <a:ext cx="697829" cy="1018675"/>
           </a:xfrm>
           <a:prstGeom prst="bentConnector3">
@@ -3233,7 +3238,7 @@
         </p:nvCxnSpPr>
         <p:spPr>
           <a:xfrm>
-            <a:off x="1815144" y="1522920"/>
+            <a:off x="1815144" y="1727026"/>
             <a:ext cx="697829" cy="376990"/>
           </a:xfrm>
           <a:prstGeom prst="bentConnector3">
@@ -3269,7 +3274,7 @@
         </p:nvCxnSpPr>
         <p:spPr>
           <a:xfrm flipV="1">
-            <a:off x="1815144" y="1899910"/>
+            <a:off x="1815144" y="2104016"/>
             <a:ext cx="697829" cy="264695"/>
           </a:xfrm>
           <a:prstGeom prst="bentConnector3">
@@ -3305,7 +3310,7 @@
         </p:nvCxnSpPr>
         <p:spPr>
           <a:xfrm flipV="1">
-            <a:off x="1815144" y="1899910"/>
+            <a:off x="1815144" y="2104016"/>
             <a:ext cx="697829" cy="906380"/>
           </a:xfrm>
           <a:prstGeom prst="bentConnector3">
@@ -3344,7 +3349,13 @@
           <a:prstGeom prst="line">
             <a:avLst/>
           </a:prstGeom>
-          <a:ln w="152400"/>
+          <a:ln w="152400">
+            <a:solidFill>
+              <a:schemeClr val="accent1">
+                <a:lumMod val="50000"/>
+              </a:schemeClr>
+            </a:solidFill>
+          </a:ln>
         </p:spPr>
         <p:style>
           <a:lnRef idx="1">
@@ -3371,8 +3382,8 @@
         </p:nvCxnSpPr>
         <p:spPr>
           <a:xfrm>
-            <a:off x="436605" y="881235"/>
-            <a:ext cx="544349" cy="0"/>
+            <a:off x="436605" y="1085341"/>
+            <a:ext cx="856275" cy="0"/>
           </a:xfrm>
           <a:prstGeom prst="straightConnector1">
             <a:avLst/>
@@ -3399,13 +3410,15 @@
       <p:cxnSp>
         <p:nvCxnSpPr>
           <p:cNvPr id="28" name="Straight Arrow Connector 27"/>
-          <p:cNvCxnSpPr/>
+          <p:cNvCxnSpPr>
+            <a:endCxn id="5" idx="1"/>
+          </p:cNvCxnSpPr>
           <p:nvPr/>
         </p:nvCxnSpPr>
         <p:spPr>
           <a:xfrm>
-            <a:off x="436605" y="1518585"/>
-            <a:ext cx="544349" cy="0"/>
+            <a:off x="436605" y="1722691"/>
+            <a:ext cx="856275" cy="4335"/>
           </a:xfrm>
           <a:prstGeom prst="straightConnector1">
             <a:avLst/>
@@ -3432,13 +3445,15 @@
       <p:cxnSp>
         <p:nvCxnSpPr>
           <p:cNvPr id="29" name="Straight Arrow Connector 28"/>
-          <p:cNvCxnSpPr/>
+          <p:cNvCxnSpPr>
+            <a:endCxn id="6" idx="1"/>
+          </p:cNvCxnSpPr>
           <p:nvPr/>
         </p:nvCxnSpPr>
         <p:spPr>
-          <a:xfrm>
-            <a:off x="436605" y="2143794"/>
-            <a:ext cx="544349" cy="0"/>
+          <a:xfrm flipV="1">
+            <a:off x="436604" y="2368711"/>
+            <a:ext cx="856276" cy="5207"/>
           </a:xfrm>
           <a:prstGeom prst="straightConnector1">
             <a:avLst/>
@@ -3465,13 +3480,15 @@
       <p:cxnSp>
         <p:nvCxnSpPr>
           <p:cNvPr id="30" name="Straight Arrow Connector 29"/>
-          <p:cNvCxnSpPr/>
+          <p:cNvCxnSpPr>
+            <a:endCxn id="7" idx="1"/>
+          </p:cNvCxnSpPr>
           <p:nvPr/>
         </p:nvCxnSpPr>
         <p:spPr>
-          <a:xfrm>
-            <a:off x="436605" y="2785479"/>
-            <a:ext cx="544349" cy="0"/>
+          <a:xfrm flipV="1">
+            <a:off x="436604" y="3010396"/>
+            <a:ext cx="856276" cy="9328"/>
           </a:xfrm>
           <a:prstGeom prst="straightConnector1">
             <a:avLst/>
@@ -3509,7 +3526,13 @@
           <a:prstGeom prst="line">
             <a:avLst/>
           </a:prstGeom>
-          <a:ln w="152400"/>
+          <a:ln w="152400">
+            <a:solidFill>
+              <a:schemeClr val="accent1">
+                <a:lumMod val="50000"/>
+              </a:schemeClr>
+            </a:solidFill>
+          </a:ln>
         </p:spPr>
         <p:style>
           <a:lnRef idx="1">
@@ -3534,7 +3557,7 @@
         </p:nvCxnSpPr>
         <p:spPr>
           <a:xfrm flipV="1">
-            <a:off x="3579773" y="1899910"/>
+            <a:off x="3579773" y="2104016"/>
             <a:ext cx="209632" cy="6939"/>
           </a:xfrm>
           <a:prstGeom prst="straightConnector1">
@@ -3567,7 +3590,7 @@
         </p:nvSpPr>
         <p:spPr>
           <a:xfrm>
-            <a:off x="3789405" y="1603347"/>
+            <a:off x="3789405" y="1807453"/>
             <a:ext cx="576649" cy="593125"/>
           </a:xfrm>
           <a:prstGeom prst="rect">
@@ -3610,7 +3633,7 @@
         </p:nvCxnSpPr>
         <p:spPr>
           <a:xfrm flipV="1">
-            <a:off x="4366054" y="1906849"/>
+            <a:off x="4366054" y="2110955"/>
             <a:ext cx="209632" cy="6939"/>
           </a:xfrm>
           <a:prstGeom prst="straightConnector1">
@@ -3649,7 +3672,13 @@
           <a:prstGeom prst="line">
             <a:avLst/>
           </a:prstGeom>
-          <a:ln w="152400"/>
+          <a:ln w="152400">
+            <a:solidFill>
+              <a:schemeClr val="accent1">
+                <a:lumMod val="50000"/>
+              </a:schemeClr>
+            </a:solidFill>
+          </a:ln>
         </p:spPr>
         <p:style>
           <a:lnRef idx="1">
@@ -3674,8 +3703,8 @@
         </p:nvSpPr>
         <p:spPr>
           <a:xfrm>
-            <a:off x="5152335" y="1071138"/>
-            <a:ext cx="834190" cy="529390"/>
+            <a:off x="5481890" y="1071138"/>
+            <a:ext cx="504634" cy="529390"/>
           </a:xfrm>
           <a:prstGeom prst="rect">
             <a:avLst/>
@@ -3718,8 +3747,8 @@
         </p:nvSpPr>
         <p:spPr>
           <a:xfrm>
-            <a:off x="5152335" y="2096425"/>
-            <a:ext cx="834190" cy="529390"/>
+            <a:off x="5481889" y="2096425"/>
+            <a:ext cx="504635" cy="529390"/>
           </a:xfrm>
           <a:prstGeom prst="rect">
             <a:avLst/>
@@ -3757,13 +3786,15 @@
       <p:cxnSp>
         <p:nvCxnSpPr>
           <p:cNvPr id="43" name="Straight Arrow Connector 42"/>
-          <p:cNvCxnSpPr/>
+          <p:cNvCxnSpPr>
+            <a:endCxn id="41" idx="1"/>
+          </p:cNvCxnSpPr>
           <p:nvPr/>
         </p:nvCxnSpPr>
         <p:spPr>
           <a:xfrm>
             <a:off x="4642012" y="1335833"/>
-            <a:ext cx="510323" cy="0"/>
+            <a:ext cx="839878" cy="0"/>
           </a:xfrm>
           <a:prstGeom prst="straightConnector1">
             <a:avLst/>
@@ -3790,13 +3821,15 @@
       <p:cxnSp>
         <p:nvCxnSpPr>
           <p:cNvPr id="45" name="Straight Arrow Connector 44"/>
-          <p:cNvCxnSpPr/>
+          <p:cNvCxnSpPr>
+            <a:endCxn id="42" idx="1"/>
+          </p:cNvCxnSpPr>
           <p:nvPr/>
         </p:nvCxnSpPr>
         <p:spPr>
-          <a:xfrm>
-            <a:off x="4674742" y="2366542"/>
-            <a:ext cx="510323" cy="0"/>
+          <a:xfrm flipV="1">
+            <a:off x="4674742" y="2361120"/>
+            <a:ext cx="807147" cy="5422"/>
           </a:xfrm>
           <a:prstGeom prst="straightConnector1">
             <a:avLst/>
@@ -3894,8 +3927,8 @@
         </p:nvSpPr>
         <p:spPr>
           <a:xfrm>
-            <a:off x="6318421" y="766787"/>
-            <a:ext cx="1084133" cy="2108887"/>
+            <a:off x="6318421" y="668353"/>
+            <a:ext cx="1084133" cy="2621634"/>
           </a:xfrm>
           <a:prstGeom prst="rect">
             <a:avLst/>
@@ -3938,7 +3971,7 @@
         <p:spPr>
           <a:xfrm>
             <a:off x="7402554" y="1842244"/>
-            <a:ext cx="331897" cy="0"/>
+            <a:ext cx="499996" cy="0"/>
           </a:xfrm>
           <a:prstGeom prst="straightConnector1">
             <a:avLst/>
@@ -3970,13 +4003,19 @@
         </p:nvCxnSpPr>
         <p:spPr>
           <a:xfrm>
-            <a:off x="7801216" y="350108"/>
+            <a:off x="7974211" y="350108"/>
             <a:ext cx="0" cy="3134498"/>
           </a:xfrm>
           <a:prstGeom prst="line">
             <a:avLst/>
           </a:prstGeom>
-          <a:ln w="152400"/>
+          <a:ln w="152400">
+            <a:solidFill>
+              <a:schemeClr val="accent1">
+                <a:lumMod val="50000"/>
+              </a:schemeClr>
+            </a:solidFill>
+          </a:ln>
         </p:spPr>
         <p:style>
           <a:lnRef idx="1">
@@ -4001,7 +4040,7 @@
         </p:nvSpPr>
         <p:spPr>
           <a:xfrm>
-            <a:off x="980953" y="6011452"/>
+            <a:off x="980953" y="5541895"/>
             <a:ext cx="913749" cy="529390"/>
           </a:xfrm>
           <a:prstGeom prst="rect">
@@ -4045,7 +4084,7 @@
         </p:nvCxnSpPr>
         <p:spPr>
           <a:xfrm flipH="1">
-            <a:off x="436605" y="6276147"/>
+            <a:off x="436605" y="5806590"/>
             <a:ext cx="556380" cy="0"/>
           </a:xfrm>
           <a:prstGeom prst="straightConnector1">
@@ -4070,6 +4109,2560 @@
           </a:fontRef>
         </p:style>
       </p:cxnSp>
+      <p:sp>
+        <p:nvSpPr>
+          <p:cNvPr id="2" name="Rectangle 1"/>
+          <p:cNvSpPr/>
+          <p:nvPr/>
+        </p:nvSpPr>
+        <p:spPr>
+          <a:xfrm>
+            <a:off x="1424704" y="328163"/>
+            <a:ext cx="702402" cy="398454"/>
+          </a:xfrm>
+          <a:prstGeom prst="rect">
+            <a:avLst/>
+          </a:prstGeom>
+        </p:spPr>
+        <p:style>
+          <a:lnRef idx="2">
+            <a:schemeClr val="accent1">
+              <a:shade val="50000"/>
+            </a:schemeClr>
+          </a:lnRef>
+          <a:fillRef idx="1">
+            <a:schemeClr val="accent1"/>
+          </a:fillRef>
+          <a:effectRef idx="0">
+            <a:schemeClr val="accent1"/>
+          </a:effectRef>
+          <a:fontRef idx="minor">
+            <a:schemeClr val="lt1"/>
+          </a:fontRef>
+        </p:style>
+        <p:txBody>
+          <a:bodyPr rtlCol="0" anchor="ctr"/>
+          <a:lstStyle/>
+          <a:p>
+            <a:pPr algn="ctr"/>
+            <a:r>
+              <a:rPr lang="en-US" altLang="zh-CN" dirty="0" smtClean="0"/>
+              <a:t>MUX</a:t>
+            </a:r>
+            <a:endParaRPr lang="zh-CN" altLang="en-US" dirty="0"/>
+          </a:p>
+        </p:txBody>
+      </p:sp>
+      <p:cxnSp>
+        <p:nvCxnSpPr>
+          <p:cNvPr id="12" name="Straight Connector 11"/>
+          <p:cNvCxnSpPr/>
+          <p:nvPr/>
+        </p:nvCxnSpPr>
+        <p:spPr>
+          <a:xfrm flipH="1">
+            <a:off x="1207968" y="428414"/>
+            <a:ext cx="216736" cy="0"/>
+          </a:xfrm>
+          <a:prstGeom prst="line">
+            <a:avLst/>
+          </a:prstGeom>
+          <a:ln/>
+        </p:spPr>
+        <p:style>
+          <a:lnRef idx="1">
+            <a:schemeClr val="dk1"/>
+          </a:lnRef>
+          <a:fillRef idx="0">
+            <a:schemeClr val="dk1"/>
+          </a:fillRef>
+          <a:effectRef idx="0">
+            <a:schemeClr val="dk1"/>
+          </a:effectRef>
+          <a:fontRef idx="minor">
+            <a:schemeClr val="tx1"/>
+          </a:fontRef>
+        </p:style>
+      </p:cxnSp>
+      <p:cxnSp>
+        <p:nvCxnSpPr>
+          <p:cNvPr id="40" name="Straight Connector 39"/>
+          <p:cNvCxnSpPr/>
+          <p:nvPr/>
+        </p:nvCxnSpPr>
+        <p:spPr>
+          <a:xfrm flipH="1">
+            <a:off x="1207968" y="614019"/>
+            <a:ext cx="216736" cy="0"/>
+          </a:xfrm>
+          <a:prstGeom prst="line">
+            <a:avLst/>
+          </a:prstGeom>
+          <a:ln/>
+        </p:spPr>
+        <p:style>
+          <a:lnRef idx="1">
+            <a:schemeClr val="dk1"/>
+          </a:lnRef>
+          <a:fillRef idx="0">
+            <a:schemeClr val="dk1"/>
+          </a:fillRef>
+          <a:effectRef idx="0">
+            <a:schemeClr val="dk1"/>
+          </a:effectRef>
+          <a:fontRef idx="minor">
+            <a:schemeClr val="tx1"/>
+          </a:fontRef>
+        </p:style>
+      </p:cxnSp>
+      <p:sp>
+        <p:nvSpPr>
+          <p:cNvPr id="13" name="Rectangle 12"/>
+          <p:cNvSpPr/>
+          <p:nvPr/>
+        </p:nvSpPr>
+        <p:spPr>
+          <a:xfrm>
+            <a:off x="575186" y="296887"/>
+            <a:ext cx="678391" cy="261610"/>
+          </a:xfrm>
+          <a:prstGeom prst="rect">
+            <a:avLst/>
+          </a:prstGeom>
+        </p:spPr>
+        <p:txBody>
+          <a:bodyPr wrap="none">
+            <a:spAutoFit/>
+          </a:bodyPr>
+          <a:lstStyle/>
+          <a:p>
+            <a:r>
+              <a:rPr lang="en-US" altLang="zh-CN" sz="1100" dirty="0" smtClean="0">
+                <a:solidFill>
+                  <a:srgbClr val="24292E"/>
+                </a:solidFill>
+                <a:latin typeface="-apple-system"/>
+              </a:rPr>
+              <a:t>IN_SEL0</a:t>
+            </a:r>
+            <a:endParaRPr lang="zh-CN" altLang="en-US" sz="1100" dirty="0"/>
+          </a:p>
+        </p:txBody>
+      </p:sp>
+      <p:sp>
+        <p:nvSpPr>
+          <p:cNvPr id="44" name="Rectangle 43"/>
+          <p:cNvSpPr/>
+          <p:nvPr/>
+        </p:nvSpPr>
+        <p:spPr>
+          <a:xfrm>
+            <a:off x="579444" y="478686"/>
+            <a:ext cx="678391" cy="261610"/>
+          </a:xfrm>
+          <a:prstGeom prst="rect">
+            <a:avLst/>
+          </a:prstGeom>
+        </p:spPr>
+        <p:txBody>
+          <a:bodyPr wrap="none">
+            <a:spAutoFit/>
+          </a:bodyPr>
+          <a:lstStyle/>
+          <a:p>
+            <a:r>
+              <a:rPr lang="en-US" altLang="zh-CN" sz="1100" dirty="0" smtClean="0">
+                <a:solidFill>
+                  <a:srgbClr val="24292E"/>
+                </a:solidFill>
+                <a:latin typeface="-apple-system"/>
+              </a:rPr>
+              <a:t>IN_SEL1</a:t>
+            </a:r>
+            <a:endParaRPr lang="zh-CN" altLang="en-US" sz="1100" dirty="0"/>
+          </a:p>
+        </p:txBody>
+      </p:sp>
+      <p:cxnSp>
+        <p:nvCxnSpPr>
+          <p:cNvPr id="46" name="Straight Connector 45"/>
+          <p:cNvCxnSpPr/>
+          <p:nvPr/>
+        </p:nvCxnSpPr>
+        <p:spPr>
+          <a:xfrm rot="5400000" flipH="1">
+            <a:off x="3044220" y="1529802"/>
+            <a:ext cx="216736" cy="0"/>
+          </a:xfrm>
+          <a:prstGeom prst="line">
+            <a:avLst/>
+          </a:prstGeom>
+          <a:ln/>
+        </p:spPr>
+        <p:style>
+          <a:lnRef idx="1">
+            <a:schemeClr val="dk1"/>
+          </a:lnRef>
+          <a:fillRef idx="0">
+            <a:schemeClr val="dk1"/>
+          </a:fillRef>
+          <a:effectRef idx="0">
+            <a:schemeClr val="dk1"/>
+          </a:effectRef>
+          <a:fontRef idx="minor">
+            <a:schemeClr val="tx1"/>
+          </a:fontRef>
+        </p:style>
+      </p:cxnSp>
+      <p:cxnSp>
+        <p:nvCxnSpPr>
+          <p:cNvPr id="48" name="Straight Connector 47"/>
+          <p:cNvCxnSpPr/>
+          <p:nvPr/>
+        </p:nvCxnSpPr>
+        <p:spPr>
+          <a:xfrm rot="5400000" flipH="1">
+            <a:off x="2858615" y="1529802"/>
+            <a:ext cx="216736" cy="0"/>
+          </a:xfrm>
+          <a:prstGeom prst="line">
+            <a:avLst/>
+          </a:prstGeom>
+          <a:ln/>
+        </p:spPr>
+        <p:style>
+          <a:lnRef idx="1">
+            <a:schemeClr val="dk1"/>
+          </a:lnRef>
+          <a:fillRef idx="0">
+            <a:schemeClr val="dk1"/>
+          </a:fillRef>
+          <a:effectRef idx="0">
+            <a:schemeClr val="dk1"/>
+          </a:effectRef>
+          <a:fontRef idx="minor">
+            <a:schemeClr val="tx1"/>
+          </a:fontRef>
+        </p:style>
+      </p:cxnSp>
+      <p:sp>
+        <p:nvSpPr>
+          <p:cNvPr id="49" name="Rectangle 48"/>
+          <p:cNvSpPr/>
+          <p:nvPr/>
+        </p:nvSpPr>
+        <p:spPr>
+          <a:xfrm rot="5400000">
+            <a:off x="2778848" y="997042"/>
+            <a:ext cx="748923" cy="261610"/>
+          </a:xfrm>
+          <a:prstGeom prst="rect">
+            <a:avLst/>
+          </a:prstGeom>
+        </p:spPr>
+        <p:txBody>
+          <a:bodyPr wrap="none">
+            <a:spAutoFit/>
+          </a:bodyPr>
+          <a:lstStyle/>
+          <a:p>
+            <a:r>
+              <a:rPr lang="en-US" altLang="zh-CN" sz="1100" dirty="0" smtClean="0">
+                <a:solidFill>
+                  <a:srgbClr val="24292E"/>
+                </a:solidFill>
+                <a:latin typeface="-apple-system"/>
+              </a:rPr>
+              <a:t>OUT_SEL0</a:t>
+            </a:r>
+            <a:endParaRPr lang="zh-CN" altLang="en-US" sz="1100" dirty="0"/>
+          </a:p>
+        </p:txBody>
+      </p:sp>
+      <p:sp>
+        <p:nvSpPr>
+          <p:cNvPr id="50" name="Rectangle 49"/>
+          <p:cNvSpPr/>
+          <p:nvPr/>
+        </p:nvSpPr>
+        <p:spPr>
+          <a:xfrm rot="5400000">
+            <a:off x="2597049" y="1001300"/>
+            <a:ext cx="748923" cy="261610"/>
+          </a:xfrm>
+          <a:prstGeom prst="rect">
+            <a:avLst/>
+          </a:prstGeom>
+        </p:spPr>
+        <p:txBody>
+          <a:bodyPr wrap="none">
+            <a:spAutoFit/>
+          </a:bodyPr>
+          <a:lstStyle/>
+          <a:p>
+            <a:r>
+              <a:rPr lang="en-US" altLang="zh-CN" sz="1100" dirty="0" smtClean="0">
+                <a:solidFill>
+                  <a:srgbClr val="24292E"/>
+                </a:solidFill>
+                <a:latin typeface="-apple-system"/>
+              </a:rPr>
+              <a:t>OUT_SEL1</a:t>
+            </a:r>
+            <a:endParaRPr lang="zh-CN" altLang="en-US" sz="1100" dirty="0"/>
+          </a:p>
+        </p:txBody>
+      </p:sp>
+      <p:sp>
+        <p:nvSpPr>
+          <p:cNvPr id="19" name="Rectangle 18"/>
+          <p:cNvSpPr/>
+          <p:nvPr/>
+        </p:nvSpPr>
+        <p:spPr>
+          <a:xfrm>
+            <a:off x="382679" y="1142842"/>
+            <a:ext cx="889987" cy="261610"/>
+          </a:xfrm>
+          <a:prstGeom prst="rect">
+            <a:avLst/>
+          </a:prstGeom>
+        </p:spPr>
+        <p:txBody>
+          <a:bodyPr wrap="none">
+            <a:spAutoFit/>
+          </a:bodyPr>
+          <a:lstStyle/>
+          <a:p>
+            <a:r>
+              <a:rPr lang="en-US" altLang="zh-CN" sz="1100" dirty="0">
+                <a:solidFill>
+                  <a:srgbClr val="FF0000"/>
+                </a:solidFill>
+                <a:latin typeface="-apple-system"/>
+              </a:rPr>
+              <a:t>REG_AC_CLR</a:t>
+            </a:r>
+            <a:endParaRPr lang="zh-CN" altLang="en-US" sz="1100" dirty="0">
+              <a:solidFill>
+                <a:srgbClr val="FF0000"/>
+              </a:solidFill>
+              <a:latin typeface="-apple-system"/>
+            </a:endParaRPr>
+          </a:p>
+        </p:txBody>
+      </p:sp>
+      <p:cxnSp>
+        <p:nvCxnSpPr>
+          <p:cNvPr id="51" name="Straight Connector 50"/>
+          <p:cNvCxnSpPr/>
+          <p:nvPr/>
+        </p:nvCxnSpPr>
+        <p:spPr>
+          <a:xfrm flipH="1">
+            <a:off x="1099600" y="1208334"/>
+            <a:ext cx="216736" cy="0"/>
+          </a:xfrm>
+          <a:prstGeom prst="line">
+            <a:avLst/>
+          </a:prstGeom>
+          <a:ln>
+            <a:solidFill>
+              <a:srgbClr val="FF0000"/>
+            </a:solidFill>
+          </a:ln>
+        </p:spPr>
+        <p:style>
+          <a:lnRef idx="1">
+            <a:schemeClr val="dk1"/>
+          </a:lnRef>
+          <a:fillRef idx="0">
+            <a:schemeClr val="dk1"/>
+          </a:fillRef>
+          <a:effectRef idx="0">
+            <a:schemeClr val="dk1"/>
+          </a:effectRef>
+          <a:fontRef idx="minor">
+            <a:schemeClr val="tx1"/>
+          </a:fontRef>
+        </p:style>
+      </p:cxnSp>
+      <p:cxnSp>
+        <p:nvCxnSpPr>
+          <p:cNvPr id="60" name="Straight Connector 59"/>
+          <p:cNvCxnSpPr/>
+          <p:nvPr/>
+        </p:nvCxnSpPr>
+        <p:spPr>
+          <a:xfrm flipH="1">
+            <a:off x="1104995" y="918571"/>
+            <a:ext cx="216736" cy="0"/>
+          </a:xfrm>
+          <a:prstGeom prst="line">
+            <a:avLst/>
+          </a:prstGeom>
+          <a:ln/>
+        </p:spPr>
+        <p:style>
+          <a:lnRef idx="1">
+            <a:schemeClr val="dk1"/>
+          </a:lnRef>
+          <a:fillRef idx="0">
+            <a:schemeClr val="dk1"/>
+          </a:fillRef>
+          <a:effectRef idx="0">
+            <a:schemeClr val="dk1"/>
+          </a:effectRef>
+          <a:fontRef idx="minor">
+            <a:schemeClr val="tx1"/>
+          </a:fontRef>
+        </p:style>
+      </p:cxnSp>
+      <p:sp>
+        <p:nvSpPr>
+          <p:cNvPr id="61" name="Rectangle 60"/>
+          <p:cNvSpPr/>
+          <p:nvPr/>
+        </p:nvSpPr>
+        <p:spPr>
+          <a:xfrm>
+            <a:off x="752355" y="787605"/>
+            <a:ext cx="396262" cy="261610"/>
+          </a:xfrm>
+          <a:prstGeom prst="rect">
+            <a:avLst/>
+          </a:prstGeom>
+        </p:spPr>
+        <p:txBody>
+          <a:bodyPr wrap="none">
+            <a:spAutoFit/>
+          </a:bodyPr>
+          <a:lstStyle/>
+          <a:p>
+            <a:r>
+              <a:rPr lang="en-US" altLang="zh-CN" sz="1100" dirty="0" smtClean="0">
+                <a:solidFill>
+                  <a:srgbClr val="24292E"/>
+                </a:solidFill>
+                <a:latin typeface="-apple-system"/>
+              </a:rPr>
+              <a:t>CLK</a:t>
+            </a:r>
+            <a:endParaRPr lang="zh-CN" altLang="en-US" sz="1100" dirty="0"/>
+          </a:p>
+        </p:txBody>
+      </p:sp>
+      <p:cxnSp>
+        <p:nvCxnSpPr>
+          <p:cNvPr id="62" name="Straight Connector 61"/>
+          <p:cNvCxnSpPr/>
+          <p:nvPr/>
+        </p:nvCxnSpPr>
+        <p:spPr>
+          <a:xfrm flipH="1">
+            <a:off x="1084398" y="1573481"/>
+            <a:ext cx="216736" cy="0"/>
+          </a:xfrm>
+          <a:prstGeom prst="line">
+            <a:avLst/>
+          </a:prstGeom>
+          <a:ln/>
+        </p:spPr>
+        <p:style>
+          <a:lnRef idx="1">
+            <a:schemeClr val="dk1"/>
+          </a:lnRef>
+          <a:fillRef idx="0">
+            <a:schemeClr val="dk1"/>
+          </a:fillRef>
+          <a:effectRef idx="0">
+            <a:schemeClr val="dk1"/>
+          </a:effectRef>
+          <a:fontRef idx="minor">
+            <a:schemeClr val="tx1"/>
+          </a:fontRef>
+        </p:style>
+      </p:cxnSp>
+      <p:sp>
+        <p:nvSpPr>
+          <p:cNvPr id="63" name="Rectangle 62"/>
+          <p:cNvSpPr/>
+          <p:nvPr/>
+        </p:nvSpPr>
+        <p:spPr>
+          <a:xfrm>
+            <a:off x="731758" y="1442515"/>
+            <a:ext cx="396262" cy="261610"/>
+          </a:xfrm>
+          <a:prstGeom prst="rect">
+            <a:avLst/>
+          </a:prstGeom>
+        </p:spPr>
+        <p:txBody>
+          <a:bodyPr wrap="none">
+            <a:spAutoFit/>
+          </a:bodyPr>
+          <a:lstStyle/>
+          <a:p>
+            <a:r>
+              <a:rPr lang="en-US" altLang="zh-CN" sz="1100" dirty="0" smtClean="0">
+                <a:solidFill>
+                  <a:srgbClr val="24292E"/>
+                </a:solidFill>
+                <a:latin typeface="-apple-system"/>
+              </a:rPr>
+              <a:t>CLK</a:t>
+            </a:r>
+            <a:endParaRPr lang="zh-CN" altLang="en-US" sz="1100" dirty="0"/>
+          </a:p>
+        </p:txBody>
+      </p:sp>
+      <p:cxnSp>
+        <p:nvCxnSpPr>
+          <p:cNvPr id="66" name="Straight Connector 65"/>
+          <p:cNvCxnSpPr/>
+          <p:nvPr/>
+        </p:nvCxnSpPr>
+        <p:spPr>
+          <a:xfrm flipH="1">
+            <a:off x="1109112" y="2183078"/>
+            <a:ext cx="216736" cy="0"/>
+          </a:xfrm>
+          <a:prstGeom prst="line">
+            <a:avLst/>
+          </a:prstGeom>
+          <a:ln/>
+        </p:spPr>
+        <p:style>
+          <a:lnRef idx="1">
+            <a:schemeClr val="dk1"/>
+          </a:lnRef>
+          <a:fillRef idx="0">
+            <a:schemeClr val="dk1"/>
+          </a:fillRef>
+          <a:effectRef idx="0">
+            <a:schemeClr val="dk1"/>
+          </a:effectRef>
+          <a:fontRef idx="minor">
+            <a:schemeClr val="tx1"/>
+          </a:fontRef>
+        </p:style>
+      </p:cxnSp>
+      <p:sp>
+        <p:nvSpPr>
+          <p:cNvPr id="67" name="Rectangle 66"/>
+          <p:cNvSpPr/>
+          <p:nvPr/>
+        </p:nvSpPr>
+        <p:spPr>
+          <a:xfrm>
+            <a:off x="756472" y="2052112"/>
+            <a:ext cx="396262" cy="261610"/>
+          </a:xfrm>
+          <a:prstGeom prst="rect">
+            <a:avLst/>
+          </a:prstGeom>
+        </p:spPr>
+        <p:txBody>
+          <a:bodyPr wrap="none">
+            <a:spAutoFit/>
+          </a:bodyPr>
+          <a:lstStyle/>
+          <a:p>
+            <a:r>
+              <a:rPr lang="en-US" altLang="zh-CN" sz="1100" dirty="0" smtClean="0">
+                <a:solidFill>
+                  <a:srgbClr val="24292E"/>
+                </a:solidFill>
+                <a:latin typeface="-apple-system"/>
+              </a:rPr>
+              <a:t>CLK</a:t>
+            </a:r>
+            <a:endParaRPr lang="zh-CN" altLang="en-US" sz="1100" dirty="0"/>
+          </a:p>
+        </p:txBody>
+      </p:sp>
+      <p:cxnSp>
+        <p:nvCxnSpPr>
+          <p:cNvPr id="68" name="Straight Connector 67"/>
+          <p:cNvCxnSpPr/>
+          <p:nvPr/>
+        </p:nvCxnSpPr>
+        <p:spPr>
+          <a:xfrm flipH="1">
+            <a:off x="1088515" y="2837988"/>
+            <a:ext cx="216736" cy="0"/>
+          </a:xfrm>
+          <a:prstGeom prst="line">
+            <a:avLst/>
+          </a:prstGeom>
+          <a:ln/>
+        </p:spPr>
+        <p:style>
+          <a:lnRef idx="1">
+            <a:schemeClr val="dk1"/>
+          </a:lnRef>
+          <a:fillRef idx="0">
+            <a:schemeClr val="dk1"/>
+          </a:fillRef>
+          <a:effectRef idx="0">
+            <a:schemeClr val="dk1"/>
+          </a:effectRef>
+          <a:fontRef idx="minor">
+            <a:schemeClr val="tx1"/>
+          </a:fontRef>
+        </p:style>
+      </p:cxnSp>
+      <p:sp>
+        <p:nvSpPr>
+          <p:cNvPr id="69" name="Rectangle 68"/>
+          <p:cNvSpPr/>
+          <p:nvPr/>
+        </p:nvSpPr>
+        <p:spPr>
+          <a:xfrm>
+            <a:off x="735875" y="2707022"/>
+            <a:ext cx="396262" cy="261610"/>
+          </a:xfrm>
+          <a:prstGeom prst="rect">
+            <a:avLst/>
+          </a:prstGeom>
+        </p:spPr>
+        <p:txBody>
+          <a:bodyPr wrap="none">
+            <a:spAutoFit/>
+          </a:bodyPr>
+          <a:lstStyle/>
+          <a:p>
+            <a:r>
+              <a:rPr lang="en-US" altLang="zh-CN" sz="1100" dirty="0" smtClean="0">
+                <a:solidFill>
+                  <a:srgbClr val="24292E"/>
+                </a:solidFill>
+                <a:latin typeface="-apple-system"/>
+              </a:rPr>
+              <a:t>CLK</a:t>
+            </a:r>
+            <a:endParaRPr lang="zh-CN" altLang="en-US" sz="1100" dirty="0"/>
+          </a:p>
+        </p:txBody>
+      </p:sp>
+      <p:cxnSp>
+        <p:nvCxnSpPr>
+          <p:cNvPr id="70" name="Straight Connector 69"/>
+          <p:cNvCxnSpPr/>
+          <p:nvPr/>
+        </p:nvCxnSpPr>
+        <p:spPr>
+          <a:xfrm rot="5400000" flipH="1">
+            <a:off x="3972750" y="1703012"/>
+            <a:ext cx="216736" cy="0"/>
+          </a:xfrm>
+          <a:prstGeom prst="line">
+            <a:avLst/>
+          </a:prstGeom>
+          <a:ln/>
+        </p:spPr>
+        <p:style>
+          <a:lnRef idx="1">
+            <a:schemeClr val="dk1"/>
+          </a:lnRef>
+          <a:fillRef idx="0">
+            <a:schemeClr val="dk1"/>
+          </a:fillRef>
+          <a:effectRef idx="0">
+            <a:schemeClr val="dk1"/>
+          </a:effectRef>
+          <a:fontRef idx="minor">
+            <a:schemeClr val="tx1"/>
+          </a:fontRef>
+        </p:style>
+      </p:cxnSp>
+      <p:sp>
+        <p:nvSpPr>
+          <p:cNvPr id="71" name="Rectangle 70"/>
+          <p:cNvSpPr/>
+          <p:nvPr/>
+        </p:nvSpPr>
+        <p:spPr>
+          <a:xfrm rot="5400000">
+            <a:off x="3636846" y="1087872"/>
+            <a:ext cx="889987" cy="261610"/>
+          </a:xfrm>
+          <a:prstGeom prst="rect">
+            <a:avLst/>
+          </a:prstGeom>
+        </p:spPr>
+        <p:txBody>
+          <a:bodyPr wrap="none">
+            <a:spAutoFit/>
+          </a:bodyPr>
+          <a:lstStyle/>
+          <a:p>
+            <a:r>
+              <a:rPr lang="en-US" altLang="zh-CN" sz="1100" dirty="0" smtClean="0">
+                <a:solidFill>
+                  <a:srgbClr val="24292E"/>
+                </a:solidFill>
+                <a:latin typeface="-apple-system"/>
+              </a:rPr>
+              <a:t>REG_OUT_EN</a:t>
+            </a:r>
+            <a:endParaRPr lang="zh-CN" altLang="en-US" sz="1100" dirty="0"/>
+          </a:p>
+        </p:txBody>
+      </p:sp>
+      <p:cxnSp>
+        <p:nvCxnSpPr>
+          <p:cNvPr id="72" name="Straight Connector 71"/>
+          <p:cNvCxnSpPr/>
+          <p:nvPr/>
+        </p:nvCxnSpPr>
+        <p:spPr>
+          <a:xfrm flipH="1">
+            <a:off x="6108851" y="2740945"/>
+            <a:ext cx="216736" cy="0"/>
+          </a:xfrm>
+          <a:prstGeom prst="line">
+            <a:avLst/>
+          </a:prstGeom>
+          <a:ln/>
+        </p:spPr>
+        <p:style>
+          <a:lnRef idx="1">
+            <a:schemeClr val="dk1"/>
+          </a:lnRef>
+          <a:fillRef idx="0">
+            <a:schemeClr val="dk1"/>
+          </a:fillRef>
+          <a:effectRef idx="0">
+            <a:schemeClr val="dk1"/>
+          </a:effectRef>
+          <a:fontRef idx="minor">
+            <a:schemeClr val="tx1"/>
+          </a:fontRef>
+        </p:style>
+      </p:cxnSp>
+      <p:sp>
+        <p:nvSpPr>
+          <p:cNvPr id="73" name="Rectangle 72"/>
+          <p:cNvSpPr/>
+          <p:nvPr/>
+        </p:nvSpPr>
+        <p:spPr>
+          <a:xfrm>
+            <a:off x="5573850" y="2605018"/>
+            <a:ext cx="607859" cy="261610"/>
+          </a:xfrm>
+          <a:prstGeom prst="rect">
+            <a:avLst/>
+          </a:prstGeom>
+        </p:spPr>
+        <p:txBody>
+          <a:bodyPr wrap="none">
+            <a:spAutoFit/>
+          </a:bodyPr>
+          <a:lstStyle/>
+          <a:p>
+            <a:r>
+              <a:rPr lang="en-US" altLang="zh-CN" sz="1100" dirty="0" smtClean="0">
+                <a:solidFill>
+                  <a:srgbClr val="24292E"/>
+                </a:solidFill>
+                <a:latin typeface="-apple-system"/>
+              </a:rPr>
+              <a:t>ALU_S0</a:t>
+            </a:r>
+            <a:endParaRPr lang="zh-CN" altLang="en-US" sz="1100" dirty="0"/>
+          </a:p>
+        </p:txBody>
+      </p:sp>
+      <p:cxnSp>
+        <p:nvCxnSpPr>
+          <p:cNvPr id="74" name="Straight Connector 73"/>
+          <p:cNvCxnSpPr/>
+          <p:nvPr/>
+        </p:nvCxnSpPr>
+        <p:spPr>
+          <a:xfrm flipH="1">
+            <a:off x="6108851" y="2875181"/>
+            <a:ext cx="216736" cy="0"/>
+          </a:xfrm>
+          <a:prstGeom prst="line">
+            <a:avLst/>
+          </a:prstGeom>
+          <a:ln/>
+        </p:spPr>
+        <p:style>
+          <a:lnRef idx="1">
+            <a:schemeClr val="dk1"/>
+          </a:lnRef>
+          <a:fillRef idx="0">
+            <a:schemeClr val="dk1"/>
+          </a:fillRef>
+          <a:effectRef idx="0">
+            <a:schemeClr val="dk1"/>
+          </a:effectRef>
+          <a:fontRef idx="minor">
+            <a:schemeClr val="tx1"/>
+          </a:fontRef>
+        </p:style>
+      </p:cxnSp>
+      <p:cxnSp>
+        <p:nvCxnSpPr>
+          <p:cNvPr id="76" name="Straight Connector 75"/>
+          <p:cNvCxnSpPr/>
+          <p:nvPr/>
+        </p:nvCxnSpPr>
+        <p:spPr>
+          <a:xfrm flipH="1">
+            <a:off x="6108851" y="3012874"/>
+            <a:ext cx="216736" cy="0"/>
+          </a:xfrm>
+          <a:prstGeom prst="line">
+            <a:avLst/>
+          </a:prstGeom>
+          <a:ln/>
+        </p:spPr>
+        <p:style>
+          <a:lnRef idx="1">
+            <a:schemeClr val="dk1"/>
+          </a:lnRef>
+          <a:fillRef idx="0">
+            <a:schemeClr val="dk1"/>
+          </a:fillRef>
+          <a:effectRef idx="0">
+            <a:schemeClr val="dk1"/>
+          </a:effectRef>
+          <a:fontRef idx="minor">
+            <a:schemeClr val="tx1"/>
+          </a:fontRef>
+        </p:style>
+      </p:cxnSp>
+      <p:cxnSp>
+        <p:nvCxnSpPr>
+          <p:cNvPr id="78" name="Straight Connector 77"/>
+          <p:cNvCxnSpPr/>
+          <p:nvPr/>
+        </p:nvCxnSpPr>
+        <p:spPr>
+          <a:xfrm flipH="1">
+            <a:off x="6108851" y="3152232"/>
+            <a:ext cx="216736" cy="0"/>
+          </a:xfrm>
+          <a:prstGeom prst="line">
+            <a:avLst/>
+          </a:prstGeom>
+          <a:ln/>
+        </p:spPr>
+        <p:style>
+          <a:lnRef idx="1">
+            <a:schemeClr val="dk1"/>
+          </a:lnRef>
+          <a:fillRef idx="0">
+            <a:schemeClr val="dk1"/>
+          </a:fillRef>
+          <a:effectRef idx="0">
+            <a:schemeClr val="dk1"/>
+          </a:effectRef>
+          <a:fontRef idx="minor">
+            <a:schemeClr val="tx1"/>
+          </a:fontRef>
+        </p:style>
+      </p:cxnSp>
+      <p:sp>
+        <p:nvSpPr>
+          <p:cNvPr id="80" name="Rectangle 79"/>
+          <p:cNvSpPr/>
+          <p:nvPr/>
+        </p:nvSpPr>
+        <p:spPr>
+          <a:xfrm>
+            <a:off x="5573850" y="2745386"/>
+            <a:ext cx="607859" cy="261610"/>
+          </a:xfrm>
+          <a:prstGeom prst="rect">
+            <a:avLst/>
+          </a:prstGeom>
+        </p:spPr>
+        <p:txBody>
+          <a:bodyPr wrap="none">
+            <a:spAutoFit/>
+          </a:bodyPr>
+          <a:lstStyle/>
+          <a:p>
+            <a:r>
+              <a:rPr lang="en-US" altLang="zh-CN" sz="1100" dirty="0" smtClean="0">
+                <a:solidFill>
+                  <a:srgbClr val="24292E"/>
+                </a:solidFill>
+                <a:latin typeface="-apple-system"/>
+              </a:rPr>
+              <a:t>ALU_S1</a:t>
+            </a:r>
+            <a:endParaRPr lang="zh-CN" altLang="en-US" sz="1100" dirty="0"/>
+          </a:p>
+        </p:txBody>
+      </p:sp>
+      <p:sp>
+        <p:nvSpPr>
+          <p:cNvPr id="81" name="Rectangle 80"/>
+          <p:cNvSpPr/>
+          <p:nvPr/>
+        </p:nvSpPr>
+        <p:spPr>
+          <a:xfrm>
+            <a:off x="5570965" y="2892036"/>
+            <a:ext cx="607859" cy="261610"/>
+          </a:xfrm>
+          <a:prstGeom prst="rect">
+            <a:avLst/>
+          </a:prstGeom>
+        </p:spPr>
+        <p:txBody>
+          <a:bodyPr wrap="none">
+            <a:spAutoFit/>
+          </a:bodyPr>
+          <a:lstStyle/>
+          <a:p>
+            <a:r>
+              <a:rPr lang="en-US" altLang="zh-CN" sz="1100" dirty="0" smtClean="0">
+                <a:solidFill>
+                  <a:srgbClr val="24292E"/>
+                </a:solidFill>
+                <a:latin typeface="-apple-system"/>
+              </a:rPr>
+              <a:t>ALU_S2</a:t>
+            </a:r>
+            <a:endParaRPr lang="zh-CN" altLang="en-US" sz="1100" dirty="0"/>
+          </a:p>
+        </p:txBody>
+      </p:sp>
+      <p:sp>
+        <p:nvSpPr>
+          <p:cNvPr id="82" name="Rectangle 81"/>
+          <p:cNvSpPr/>
+          <p:nvPr/>
+        </p:nvSpPr>
+        <p:spPr>
+          <a:xfrm>
+            <a:off x="5570965" y="3032404"/>
+            <a:ext cx="607859" cy="261610"/>
+          </a:xfrm>
+          <a:prstGeom prst="rect">
+            <a:avLst/>
+          </a:prstGeom>
+        </p:spPr>
+        <p:txBody>
+          <a:bodyPr wrap="none">
+            <a:spAutoFit/>
+          </a:bodyPr>
+          <a:lstStyle/>
+          <a:p>
+            <a:r>
+              <a:rPr lang="en-US" altLang="zh-CN" sz="1100" dirty="0" smtClean="0">
+                <a:solidFill>
+                  <a:srgbClr val="24292E"/>
+                </a:solidFill>
+                <a:latin typeface="-apple-system"/>
+              </a:rPr>
+              <a:t>ALU_S3</a:t>
+            </a:r>
+            <a:endParaRPr lang="zh-CN" altLang="en-US" sz="1100" dirty="0"/>
+          </a:p>
+        </p:txBody>
+      </p:sp>
+      <p:cxnSp>
+        <p:nvCxnSpPr>
+          <p:cNvPr id="91" name="Straight Connector 90"/>
+          <p:cNvCxnSpPr/>
+          <p:nvPr/>
+        </p:nvCxnSpPr>
+        <p:spPr>
+          <a:xfrm flipH="1">
+            <a:off x="6108851" y="1705061"/>
+            <a:ext cx="216736" cy="0"/>
+          </a:xfrm>
+          <a:prstGeom prst="line">
+            <a:avLst/>
+          </a:prstGeom>
+          <a:ln/>
+        </p:spPr>
+        <p:style>
+          <a:lnRef idx="1">
+            <a:schemeClr val="dk1"/>
+          </a:lnRef>
+          <a:fillRef idx="0">
+            <a:schemeClr val="dk1"/>
+          </a:fillRef>
+          <a:effectRef idx="0">
+            <a:schemeClr val="dk1"/>
+          </a:effectRef>
+          <a:fontRef idx="minor">
+            <a:schemeClr val="tx1"/>
+          </a:fontRef>
+        </p:style>
+      </p:cxnSp>
+      <p:cxnSp>
+        <p:nvCxnSpPr>
+          <p:cNvPr id="92" name="Straight Connector 91"/>
+          <p:cNvCxnSpPr/>
+          <p:nvPr/>
+        </p:nvCxnSpPr>
+        <p:spPr>
+          <a:xfrm flipH="1">
+            <a:off x="6108851" y="1842754"/>
+            <a:ext cx="216736" cy="0"/>
+          </a:xfrm>
+          <a:prstGeom prst="line">
+            <a:avLst/>
+          </a:prstGeom>
+          <a:ln/>
+        </p:spPr>
+        <p:style>
+          <a:lnRef idx="1">
+            <a:schemeClr val="dk1"/>
+          </a:lnRef>
+          <a:fillRef idx="0">
+            <a:schemeClr val="dk1"/>
+          </a:fillRef>
+          <a:effectRef idx="0">
+            <a:schemeClr val="dk1"/>
+          </a:effectRef>
+          <a:fontRef idx="minor">
+            <a:schemeClr val="tx1"/>
+          </a:fontRef>
+        </p:style>
+      </p:cxnSp>
+      <p:cxnSp>
+        <p:nvCxnSpPr>
+          <p:cNvPr id="93" name="Straight Connector 92"/>
+          <p:cNvCxnSpPr/>
+          <p:nvPr/>
+        </p:nvCxnSpPr>
+        <p:spPr>
+          <a:xfrm flipH="1">
+            <a:off x="6108851" y="1982112"/>
+            <a:ext cx="216736" cy="0"/>
+          </a:xfrm>
+          <a:prstGeom prst="line">
+            <a:avLst/>
+          </a:prstGeom>
+          <a:ln/>
+        </p:spPr>
+        <p:style>
+          <a:lnRef idx="1">
+            <a:schemeClr val="dk1"/>
+          </a:lnRef>
+          <a:fillRef idx="0">
+            <a:schemeClr val="dk1"/>
+          </a:fillRef>
+          <a:effectRef idx="0">
+            <a:schemeClr val="dk1"/>
+          </a:effectRef>
+          <a:fontRef idx="minor">
+            <a:schemeClr val="tx1"/>
+          </a:fontRef>
+        </p:style>
+      </p:cxnSp>
+      <p:sp>
+        <p:nvSpPr>
+          <p:cNvPr id="94" name="Rectangle 93"/>
+          <p:cNvSpPr/>
+          <p:nvPr/>
+        </p:nvSpPr>
+        <p:spPr>
+          <a:xfrm>
+            <a:off x="5497650" y="1575266"/>
+            <a:ext cx="678391" cy="261610"/>
+          </a:xfrm>
+          <a:prstGeom prst="rect">
+            <a:avLst/>
+          </a:prstGeom>
+        </p:spPr>
+        <p:txBody>
+          <a:bodyPr wrap="none">
+            <a:spAutoFit/>
+          </a:bodyPr>
+          <a:lstStyle/>
+          <a:p>
+            <a:r>
+              <a:rPr lang="en-US" altLang="zh-CN" sz="1100" dirty="0" smtClean="0">
+                <a:solidFill>
+                  <a:srgbClr val="24292E"/>
+                </a:solidFill>
+                <a:latin typeface="-apple-system"/>
+              </a:rPr>
+              <a:t>ALU_BUS</a:t>
+            </a:r>
+            <a:endParaRPr lang="zh-CN" altLang="en-US" sz="1100" dirty="0"/>
+          </a:p>
+        </p:txBody>
+      </p:sp>
+      <p:sp>
+        <p:nvSpPr>
+          <p:cNvPr id="95" name="Rectangle 94"/>
+          <p:cNvSpPr/>
+          <p:nvPr/>
+        </p:nvSpPr>
+        <p:spPr>
+          <a:xfrm>
+            <a:off x="5628115" y="1714296"/>
+            <a:ext cx="537327" cy="261610"/>
+          </a:xfrm>
+          <a:prstGeom prst="rect">
+            <a:avLst/>
+          </a:prstGeom>
+        </p:spPr>
+        <p:txBody>
+          <a:bodyPr wrap="none">
+            <a:spAutoFit/>
+          </a:bodyPr>
+          <a:lstStyle/>
+          <a:p>
+            <a:r>
+              <a:rPr lang="en-US" altLang="zh-CN" sz="1100" dirty="0" smtClean="0">
+                <a:solidFill>
+                  <a:srgbClr val="24292E"/>
+                </a:solidFill>
+                <a:latin typeface="-apple-system"/>
+              </a:rPr>
+              <a:t>ALU_M</a:t>
+            </a:r>
+            <a:endParaRPr lang="zh-CN" altLang="en-US" sz="1100" dirty="0"/>
+          </a:p>
+        </p:txBody>
+      </p:sp>
+      <p:sp>
+        <p:nvSpPr>
+          <p:cNvPr id="96" name="Rectangle 95"/>
+          <p:cNvSpPr/>
+          <p:nvPr/>
+        </p:nvSpPr>
+        <p:spPr>
+          <a:xfrm>
+            <a:off x="5563345" y="1854664"/>
+            <a:ext cx="607859" cy="261610"/>
+          </a:xfrm>
+          <a:prstGeom prst="rect">
+            <a:avLst/>
+          </a:prstGeom>
+        </p:spPr>
+        <p:txBody>
+          <a:bodyPr wrap="none">
+            <a:spAutoFit/>
+          </a:bodyPr>
+          <a:lstStyle/>
+          <a:p>
+            <a:r>
+              <a:rPr lang="en-US" altLang="zh-CN" sz="1100" dirty="0" smtClean="0">
+                <a:solidFill>
+                  <a:srgbClr val="24292E"/>
+                </a:solidFill>
+                <a:latin typeface="-apple-system"/>
+              </a:rPr>
+              <a:t>ALU_CN</a:t>
+            </a:r>
+            <a:endParaRPr lang="zh-CN" altLang="en-US" sz="1100" dirty="0"/>
+          </a:p>
+        </p:txBody>
+      </p:sp>
+      <p:cxnSp>
+        <p:nvCxnSpPr>
+          <p:cNvPr id="97" name="Straight Connector 96"/>
+          <p:cNvCxnSpPr/>
+          <p:nvPr/>
+        </p:nvCxnSpPr>
+        <p:spPr>
+          <a:xfrm flipH="1">
+            <a:off x="5281808" y="1202104"/>
+            <a:ext cx="216736" cy="0"/>
+          </a:xfrm>
+          <a:prstGeom prst="line">
+            <a:avLst/>
+          </a:prstGeom>
+          <a:ln/>
+        </p:spPr>
+        <p:style>
+          <a:lnRef idx="1">
+            <a:schemeClr val="dk1"/>
+          </a:lnRef>
+          <a:fillRef idx="0">
+            <a:schemeClr val="dk1"/>
+          </a:fillRef>
+          <a:effectRef idx="0">
+            <a:schemeClr val="dk1"/>
+          </a:effectRef>
+          <a:fontRef idx="minor">
+            <a:schemeClr val="tx1"/>
+          </a:fontRef>
+        </p:style>
+      </p:cxnSp>
+      <p:sp>
+        <p:nvSpPr>
+          <p:cNvPr id="98" name="Rectangle 97"/>
+          <p:cNvSpPr/>
+          <p:nvPr/>
+        </p:nvSpPr>
+        <p:spPr>
+          <a:xfrm>
+            <a:off x="4929168" y="1071138"/>
+            <a:ext cx="396262" cy="261610"/>
+          </a:xfrm>
+          <a:prstGeom prst="rect">
+            <a:avLst/>
+          </a:prstGeom>
+        </p:spPr>
+        <p:txBody>
+          <a:bodyPr wrap="none">
+            <a:spAutoFit/>
+          </a:bodyPr>
+          <a:lstStyle/>
+          <a:p>
+            <a:r>
+              <a:rPr lang="en-US" altLang="zh-CN" sz="1100" dirty="0" smtClean="0">
+                <a:solidFill>
+                  <a:srgbClr val="24292E"/>
+                </a:solidFill>
+                <a:latin typeface="-apple-system"/>
+              </a:rPr>
+              <a:t>CLK</a:t>
+            </a:r>
+            <a:endParaRPr lang="zh-CN" altLang="en-US" sz="1100" dirty="0"/>
+          </a:p>
+        </p:txBody>
+      </p:sp>
+      <p:cxnSp>
+        <p:nvCxnSpPr>
+          <p:cNvPr id="101" name="Straight Connector 100"/>
+          <p:cNvCxnSpPr/>
+          <p:nvPr/>
+        </p:nvCxnSpPr>
+        <p:spPr>
+          <a:xfrm flipH="1">
+            <a:off x="5277808" y="2204078"/>
+            <a:ext cx="216736" cy="0"/>
+          </a:xfrm>
+          <a:prstGeom prst="line">
+            <a:avLst/>
+          </a:prstGeom>
+          <a:ln/>
+        </p:spPr>
+        <p:style>
+          <a:lnRef idx="1">
+            <a:schemeClr val="dk1"/>
+          </a:lnRef>
+          <a:fillRef idx="0">
+            <a:schemeClr val="dk1"/>
+          </a:fillRef>
+          <a:effectRef idx="0">
+            <a:schemeClr val="dk1"/>
+          </a:effectRef>
+          <a:fontRef idx="minor">
+            <a:schemeClr val="tx1"/>
+          </a:fontRef>
+        </p:style>
+      </p:cxnSp>
+      <p:sp>
+        <p:nvSpPr>
+          <p:cNvPr id="102" name="Rectangle 101"/>
+          <p:cNvSpPr/>
+          <p:nvPr/>
+        </p:nvSpPr>
+        <p:spPr>
+          <a:xfrm>
+            <a:off x="4925168" y="2073112"/>
+            <a:ext cx="396262" cy="261610"/>
+          </a:xfrm>
+          <a:prstGeom prst="rect">
+            <a:avLst/>
+          </a:prstGeom>
+        </p:spPr>
+        <p:txBody>
+          <a:bodyPr wrap="none">
+            <a:spAutoFit/>
+          </a:bodyPr>
+          <a:lstStyle/>
+          <a:p>
+            <a:r>
+              <a:rPr lang="en-US" altLang="zh-CN" sz="1100" dirty="0" smtClean="0">
+                <a:solidFill>
+                  <a:srgbClr val="24292E"/>
+                </a:solidFill>
+                <a:latin typeface="-apple-system"/>
+              </a:rPr>
+              <a:t>CLK</a:t>
+            </a:r>
+            <a:endParaRPr lang="zh-CN" altLang="en-US" sz="1100" dirty="0"/>
+          </a:p>
+        </p:txBody>
+      </p:sp>
+      <p:cxnSp>
+        <p:nvCxnSpPr>
+          <p:cNvPr id="103" name="Straight Connector 102"/>
+          <p:cNvCxnSpPr/>
+          <p:nvPr/>
+        </p:nvCxnSpPr>
+        <p:spPr>
+          <a:xfrm flipH="1">
+            <a:off x="5284618" y="1495957"/>
+            <a:ext cx="216736" cy="0"/>
+          </a:xfrm>
+          <a:prstGeom prst="line">
+            <a:avLst/>
+          </a:prstGeom>
+          <a:ln/>
+        </p:spPr>
+        <p:style>
+          <a:lnRef idx="1">
+            <a:schemeClr val="dk1"/>
+          </a:lnRef>
+          <a:fillRef idx="0">
+            <a:schemeClr val="dk1"/>
+          </a:fillRef>
+          <a:effectRef idx="0">
+            <a:schemeClr val="dk1"/>
+          </a:effectRef>
+          <a:fontRef idx="minor">
+            <a:schemeClr val="tx1"/>
+          </a:fontRef>
+        </p:style>
+      </p:cxnSp>
+      <p:sp>
+        <p:nvSpPr>
+          <p:cNvPr id="104" name="Rectangle 103"/>
+          <p:cNvSpPr/>
+          <p:nvPr/>
+        </p:nvSpPr>
+        <p:spPr>
+          <a:xfrm>
+            <a:off x="4878110" y="1364991"/>
+            <a:ext cx="472990" cy="261610"/>
+          </a:xfrm>
+          <a:prstGeom prst="rect">
+            <a:avLst/>
+          </a:prstGeom>
+        </p:spPr>
+        <p:txBody>
+          <a:bodyPr wrap="square">
+            <a:spAutoFit/>
+          </a:bodyPr>
+          <a:lstStyle/>
+          <a:p>
+            <a:r>
+              <a:rPr lang="en-US" altLang="zh-CN" sz="1100" dirty="0" smtClean="0">
+                <a:solidFill>
+                  <a:srgbClr val="24292E"/>
+                </a:solidFill>
+                <a:latin typeface="-apple-system"/>
+              </a:rPr>
+              <a:t>D_SW</a:t>
+            </a:r>
+            <a:endParaRPr lang="zh-CN" altLang="en-US" sz="1100" dirty="0"/>
+          </a:p>
+        </p:txBody>
+      </p:sp>
+      <p:cxnSp>
+        <p:nvCxnSpPr>
+          <p:cNvPr id="106" name="Straight Connector 105"/>
+          <p:cNvCxnSpPr/>
+          <p:nvPr/>
+        </p:nvCxnSpPr>
+        <p:spPr>
+          <a:xfrm flipH="1">
+            <a:off x="5284618" y="2521243"/>
+            <a:ext cx="216736" cy="0"/>
+          </a:xfrm>
+          <a:prstGeom prst="line">
+            <a:avLst/>
+          </a:prstGeom>
+          <a:ln/>
+        </p:spPr>
+        <p:style>
+          <a:lnRef idx="1">
+            <a:schemeClr val="dk1"/>
+          </a:lnRef>
+          <a:fillRef idx="0">
+            <a:schemeClr val="dk1"/>
+          </a:fillRef>
+          <a:effectRef idx="0">
+            <a:schemeClr val="dk1"/>
+          </a:effectRef>
+          <a:fontRef idx="minor">
+            <a:schemeClr val="tx1"/>
+          </a:fontRef>
+        </p:style>
+      </p:cxnSp>
+      <p:sp>
+        <p:nvSpPr>
+          <p:cNvPr id="107" name="Rectangle 106"/>
+          <p:cNvSpPr/>
+          <p:nvPr/>
+        </p:nvSpPr>
+        <p:spPr>
+          <a:xfrm>
+            <a:off x="4878110" y="2390277"/>
+            <a:ext cx="472990" cy="261610"/>
+          </a:xfrm>
+          <a:prstGeom prst="rect">
+            <a:avLst/>
+          </a:prstGeom>
+        </p:spPr>
+        <p:txBody>
+          <a:bodyPr wrap="square">
+            <a:spAutoFit/>
+          </a:bodyPr>
+          <a:lstStyle/>
+          <a:p>
+            <a:r>
+              <a:rPr lang="en-US" altLang="zh-CN" sz="1100" dirty="0" smtClean="0">
+                <a:solidFill>
+                  <a:srgbClr val="24292E"/>
+                </a:solidFill>
+                <a:latin typeface="-apple-system"/>
+              </a:rPr>
+              <a:t>D_SW</a:t>
+            </a:r>
+            <a:endParaRPr lang="zh-CN" altLang="en-US" sz="1100" dirty="0"/>
+          </a:p>
+        </p:txBody>
+      </p:sp>
+      <p:cxnSp>
+        <p:nvCxnSpPr>
+          <p:cNvPr id="109" name="Straight Connector 108"/>
+          <p:cNvCxnSpPr/>
+          <p:nvPr/>
+        </p:nvCxnSpPr>
+        <p:spPr>
+          <a:xfrm flipH="1">
+            <a:off x="7402554" y="2660178"/>
+            <a:ext cx="216736" cy="0"/>
+          </a:xfrm>
+          <a:prstGeom prst="line">
+            <a:avLst/>
+          </a:prstGeom>
+          <a:ln/>
+        </p:spPr>
+        <p:style>
+          <a:lnRef idx="1">
+            <a:schemeClr val="dk1"/>
+          </a:lnRef>
+          <a:fillRef idx="0">
+            <a:schemeClr val="dk1"/>
+          </a:fillRef>
+          <a:effectRef idx="0">
+            <a:schemeClr val="dk1"/>
+          </a:effectRef>
+          <a:fontRef idx="minor">
+            <a:schemeClr val="tx1"/>
+          </a:fontRef>
+        </p:style>
+      </p:cxnSp>
+      <p:sp>
+        <p:nvSpPr>
+          <p:cNvPr id="110" name="Rectangle 109"/>
+          <p:cNvSpPr/>
+          <p:nvPr/>
+        </p:nvSpPr>
+        <p:spPr>
+          <a:xfrm>
+            <a:off x="7576820" y="2529373"/>
+            <a:ext cx="325730" cy="261610"/>
+          </a:xfrm>
+          <a:prstGeom prst="rect">
+            <a:avLst/>
+          </a:prstGeom>
+        </p:spPr>
+        <p:txBody>
+          <a:bodyPr wrap="none">
+            <a:spAutoFit/>
+          </a:bodyPr>
+          <a:lstStyle/>
+          <a:p>
+            <a:r>
+              <a:rPr lang="en-US" altLang="zh-CN" sz="1100" dirty="0" smtClean="0">
+                <a:solidFill>
+                  <a:srgbClr val="24292E"/>
+                </a:solidFill>
+                <a:latin typeface="-apple-system"/>
+              </a:rPr>
+              <a:t>ZF</a:t>
+            </a:r>
+            <a:endParaRPr lang="zh-CN" altLang="en-US" sz="1100" dirty="0"/>
+          </a:p>
+        </p:txBody>
+      </p:sp>
+      <p:cxnSp>
+        <p:nvCxnSpPr>
+          <p:cNvPr id="111" name="Straight Connector 110"/>
+          <p:cNvCxnSpPr/>
+          <p:nvPr/>
+        </p:nvCxnSpPr>
+        <p:spPr>
+          <a:xfrm flipH="1">
+            <a:off x="7402554" y="2888203"/>
+            <a:ext cx="216736" cy="0"/>
+          </a:xfrm>
+          <a:prstGeom prst="line">
+            <a:avLst/>
+          </a:prstGeom>
+          <a:ln/>
+        </p:spPr>
+        <p:style>
+          <a:lnRef idx="1">
+            <a:schemeClr val="dk1"/>
+          </a:lnRef>
+          <a:fillRef idx="0">
+            <a:schemeClr val="dk1"/>
+          </a:fillRef>
+          <a:effectRef idx="0">
+            <a:schemeClr val="dk1"/>
+          </a:effectRef>
+          <a:fontRef idx="minor">
+            <a:schemeClr val="tx1"/>
+          </a:fontRef>
+        </p:style>
+      </p:cxnSp>
+      <p:sp>
+        <p:nvSpPr>
+          <p:cNvPr id="112" name="Rectangle 111"/>
+          <p:cNvSpPr/>
+          <p:nvPr/>
+        </p:nvSpPr>
+        <p:spPr>
+          <a:xfrm>
+            <a:off x="7576820" y="2757398"/>
+            <a:ext cx="325730" cy="261610"/>
+          </a:xfrm>
+          <a:prstGeom prst="rect">
+            <a:avLst/>
+          </a:prstGeom>
+        </p:spPr>
+        <p:txBody>
+          <a:bodyPr wrap="none">
+            <a:spAutoFit/>
+          </a:bodyPr>
+          <a:lstStyle/>
+          <a:p>
+            <a:r>
+              <a:rPr lang="en-US" altLang="zh-CN" sz="1100" dirty="0">
+                <a:solidFill>
+                  <a:srgbClr val="24292E"/>
+                </a:solidFill>
+                <a:latin typeface="-apple-system"/>
+              </a:rPr>
+              <a:t>C</a:t>
+            </a:r>
+            <a:r>
+              <a:rPr lang="en-US" altLang="zh-CN" sz="1100" dirty="0" smtClean="0">
+                <a:solidFill>
+                  <a:srgbClr val="24292E"/>
+                </a:solidFill>
+                <a:latin typeface="-apple-system"/>
+              </a:rPr>
+              <a:t>F</a:t>
+            </a:r>
+            <a:endParaRPr lang="zh-CN" altLang="en-US" sz="1100" dirty="0"/>
+          </a:p>
+        </p:txBody>
+      </p:sp>
+      <p:cxnSp>
+        <p:nvCxnSpPr>
+          <p:cNvPr id="116" name="Straight Connector 115"/>
+          <p:cNvCxnSpPr/>
+          <p:nvPr/>
+        </p:nvCxnSpPr>
+        <p:spPr>
+          <a:xfrm flipH="1">
+            <a:off x="1897155" y="5818499"/>
+            <a:ext cx="216736" cy="0"/>
+          </a:xfrm>
+          <a:prstGeom prst="line">
+            <a:avLst/>
+          </a:prstGeom>
+          <a:ln/>
+        </p:spPr>
+        <p:style>
+          <a:lnRef idx="1">
+            <a:schemeClr val="dk1"/>
+          </a:lnRef>
+          <a:fillRef idx="0">
+            <a:schemeClr val="dk1"/>
+          </a:fillRef>
+          <a:effectRef idx="0">
+            <a:schemeClr val="dk1"/>
+          </a:effectRef>
+          <a:fontRef idx="minor">
+            <a:schemeClr val="tx1"/>
+          </a:fontRef>
+        </p:style>
+      </p:cxnSp>
+      <p:sp>
+        <p:nvSpPr>
+          <p:cNvPr id="117" name="Rectangle 116"/>
+          <p:cNvSpPr/>
+          <p:nvPr/>
+        </p:nvSpPr>
+        <p:spPr>
+          <a:xfrm>
+            <a:off x="2071421" y="5687694"/>
+            <a:ext cx="836536" cy="261610"/>
+          </a:xfrm>
+          <a:prstGeom prst="rect">
+            <a:avLst/>
+          </a:prstGeom>
+        </p:spPr>
+        <p:txBody>
+          <a:bodyPr wrap="square">
+            <a:spAutoFit/>
+          </a:bodyPr>
+          <a:lstStyle/>
+          <a:p>
+            <a:r>
+              <a:rPr lang="en-US" altLang="zh-CN" sz="1100" dirty="0" smtClean="0"/>
+              <a:t>INPUT_EN</a:t>
+            </a:r>
+            <a:endParaRPr lang="zh-CN" altLang="en-US" sz="1100" dirty="0"/>
+          </a:p>
+        </p:txBody>
+      </p:sp>
+      <p:sp>
+        <p:nvSpPr>
+          <p:cNvPr id="118" name="Rectangle 117"/>
+          <p:cNvSpPr/>
+          <p:nvPr/>
+        </p:nvSpPr>
+        <p:spPr>
+          <a:xfrm>
+            <a:off x="864742" y="3967359"/>
+            <a:ext cx="1432733" cy="463445"/>
+          </a:xfrm>
+          <a:prstGeom prst="rect">
+            <a:avLst/>
+          </a:prstGeom>
+        </p:spPr>
+        <p:style>
+          <a:lnRef idx="2">
+            <a:schemeClr val="accent1">
+              <a:shade val="50000"/>
+            </a:schemeClr>
+          </a:lnRef>
+          <a:fillRef idx="1">
+            <a:schemeClr val="accent1"/>
+          </a:fillRef>
+          <a:effectRef idx="0">
+            <a:schemeClr val="accent1"/>
+          </a:effectRef>
+          <a:fontRef idx="minor">
+            <a:schemeClr val="lt1"/>
+          </a:fontRef>
+        </p:style>
+        <p:txBody>
+          <a:bodyPr rtlCol="0" anchor="ctr"/>
+          <a:lstStyle/>
+          <a:p>
+            <a:pPr algn="ctr"/>
+            <a:r>
+              <a:rPr lang="en-US" altLang="zh-CN" dirty="0" smtClean="0"/>
+              <a:t>PC</a:t>
+            </a:r>
+            <a:endParaRPr lang="zh-CN" altLang="en-US" dirty="0"/>
+          </a:p>
+        </p:txBody>
+      </p:sp>
+      <p:cxnSp>
+        <p:nvCxnSpPr>
+          <p:cNvPr id="131" name="Straight Arrow Connector 130"/>
+          <p:cNvCxnSpPr>
+            <a:stCxn id="118" idx="0"/>
+          </p:cNvCxnSpPr>
+          <p:nvPr/>
+        </p:nvCxnSpPr>
+        <p:spPr>
+          <a:xfrm flipV="1">
+            <a:off x="1581109" y="3566985"/>
+            <a:ext cx="8794" cy="400374"/>
+          </a:xfrm>
+          <a:prstGeom prst="straightConnector1">
+            <a:avLst/>
+          </a:prstGeom>
+          <a:ln w="38100">
+            <a:headEnd type="triangle"/>
+            <a:tailEnd type="triangle"/>
+          </a:ln>
+        </p:spPr>
+        <p:style>
+          <a:lnRef idx="1">
+            <a:schemeClr val="accent1"/>
+          </a:lnRef>
+          <a:fillRef idx="0">
+            <a:schemeClr val="accent1"/>
+          </a:fillRef>
+          <a:effectRef idx="0">
+            <a:schemeClr val="accent1"/>
+          </a:effectRef>
+          <a:fontRef idx="minor">
+            <a:schemeClr val="tx1"/>
+          </a:fontRef>
+        </p:style>
+      </p:cxnSp>
+      <p:cxnSp>
+        <p:nvCxnSpPr>
+          <p:cNvPr id="132" name="Straight Connector 131"/>
+          <p:cNvCxnSpPr/>
+          <p:nvPr/>
+        </p:nvCxnSpPr>
+        <p:spPr>
+          <a:xfrm rot="5400000" flipH="1">
+            <a:off x="1155581" y="4530975"/>
+            <a:ext cx="216736" cy="0"/>
+          </a:xfrm>
+          <a:prstGeom prst="line">
+            <a:avLst/>
+          </a:prstGeom>
+          <a:ln/>
+        </p:spPr>
+        <p:style>
+          <a:lnRef idx="1">
+            <a:schemeClr val="dk1"/>
+          </a:lnRef>
+          <a:fillRef idx="0">
+            <a:schemeClr val="dk1"/>
+          </a:fillRef>
+          <a:effectRef idx="0">
+            <a:schemeClr val="dk1"/>
+          </a:effectRef>
+          <a:fontRef idx="minor">
+            <a:schemeClr val="tx1"/>
+          </a:fontRef>
+        </p:style>
+      </p:cxnSp>
+      <p:sp>
+        <p:nvSpPr>
+          <p:cNvPr id="137" name="Rectangle 136"/>
+          <p:cNvSpPr/>
+          <p:nvPr/>
+        </p:nvSpPr>
+        <p:spPr>
+          <a:xfrm rot="5400000">
+            <a:off x="1065818" y="4641926"/>
+            <a:ext cx="396262" cy="261610"/>
+          </a:xfrm>
+          <a:prstGeom prst="rect">
+            <a:avLst/>
+          </a:prstGeom>
+        </p:spPr>
+        <p:txBody>
+          <a:bodyPr wrap="none">
+            <a:spAutoFit/>
+          </a:bodyPr>
+          <a:lstStyle/>
+          <a:p>
+            <a:r>
+              <a:rPr lang="en-US" altLang="zh-CN" sz="1100" dirty="0" smtClean="0">
+                <a:solidFill>
+                  <a:srgbClr val="24292E"/>
+                </a:solidFill>
+                <a:latin typeface="-apple-system"/>
+              </a:rPr>
+              <a:t>CLK</a:t>
+            </a:r>
+            <a:endParaRPr lang="zh-CN" altLang="en-US" sz="1100" dirty="0"/>
+          </a:p>
+        </p:txBody>
+      </p:sp>
+      <p:cxnSp>
+        <p:nvCxnSpPr>
+          <p:cNvPr id="138" name="Straight Connector 137"/>
+          <p:cNvCxnSpPr/>
+          <p:nvPr/>
+        </p:nvCxnSpPr>
+        <p:spPr>
+          <a:xfrm rot="5400000" flipH="1">
+            <a:off x="1315172" y="4526764"/>
+            <a:ext cx="216736" cy="0"/>
+          </a:xfrm>
+          <a:prstGeom prst="line">
+            <a:avLst/>
+          </a:prstGeom>
+          <a:ln/>
+        </p:spPr>
+        <p:style>
+          <a:lnRef idx="1">
+            <a:schemeClr val="dk1"/>
+          </a:lnRef>
+          <a:fillRef idx="0">
+            <a:schemeClr val="dk1"/>
+          </a:fillRef>
+          <a:effectRef idx="0">
+            <a:schemeClr val="dk1"/>
+          </a:effectRef>
+          <a:fontRef idx="minor">
+            <a:schemeClr val="tx1"/>
+          </a:fontRef>
+        </p:style>
+      </p:cxnSp>
+      <p:sp>
+        <p:nvSpPr>
+          <p:cNvPr id="139" name="Rectangle 138"/>
+          <p:cNvSpPr/>
+          <p:nvPr/>
+        </p:nvSpPr>
+        <p:spPr>
+          <a:xfrm rot="5400000">
+            <a:off x="1225409" y="4637715"/>
+            <a:ext cx="396262" cy="261610"/>
+          </a:xfrm>
+          <a:prstGeom prst="rect">
+            <a:avLst/>
+          </a:prstGeom>
+        </p:spPr>
+        <p:txBody>
+          <a:bodyPr wrap="none">
+            <a:spAutoFit/>
+          </a:bodyPr>
+          <a:lstStyle/>
+          <a:p>
+            <a:r>
+              <a:rPr lang="en-US" altLang="zh-CN" sz="1100" dirty="0" smtClean="0">
+                <a:solidFill>
+                  <a:srgbClr val="24292E"/>
+                </a:solidFill>
+                <a:latin typeface="-apple-system"/>
+              </a:rPr>
+              <a:t>W/R</a:t>
+            </a:r>
+            <a:endParaRPr lang="zh-CN" altLang="en-US" sz="1100" dirty="0"/>
+          </a:p>
+        </p:txBody>
+      </p:sp>
+      <p:cxnSp>
+        <p:nvCxnSpPr>
+          <p:cNvPr id="140" name="Straight Connector 139"/>
+          <p:cNvCxnSpPr/>
+          <p:nvPr/>
+        </p:nvCxnSpPr>
+        <p:spPr>
+          <a:xfrm rot="5400000" flipH="1">
+            <a:off x="1478322" y="4526764"/>
+            <a:ext cx="216736" cy="0"/>
+          </a:xfrm>
+          <a:prstGeom prst="line">
+            <a:avLst/>
+          </a:prstGeom>
+          <a:ln/>
+        </p:spPr>
+        <p:style>
+          <a:lnRef idx="1">
+            <a:schemeClr val="dk1"/>
+          </a:lnRef>
+          <a:fillRef idx="0">
+            <a:schemeClr val="dk1"/>
+          </a:fillRef>
+          <a:effectRef idx="0">
+            <a:schemeClr val="dk1"/>
+          </a:effectRef>
+          <a:fontRef idx="minor">
+            <a:schemeClr val="tx1"/>
+          </a:fontRef>
+        </p:style>
+      </p:cxnSp>
+      <p:sp>
+        <p:nvSpPr>
+          <p:cNvPr id="141" name="Rectangle 140"/>
+          <p:cNvSpPr/>
+          <p:nvPr/>
+        </p:nvSpPr>
+        <p:spPr>
+          <a:xfrm rot="5400000">
+            <a:off x="1388559" y="4637715"/>
+            <a:ext cx="396262" cy="261610"/>
+          </a:xfrm>
+          <a:prstGeom prst="rect">
+            <a:avLst/>
+          </a:prstGeom>
+        </p:spPr>
+        <p:txBody>
+          <a:bodyPr wrap="none">
+            <a:spAutoFit/>
+          </a:bodyPr>
+          <a:lstStyle/>
+          <a:p>
+            <a:r>
+              <a:rPr lang="en-US" altLang="zh-CN" sz="1100" dirty="0" smtClean="0">
+                <a:solidFill>
+                  <a:srgbClr val="24292E"/>
+                </a:solidFill>
+                <a:latin typeface="-apple-system"/>
+              </a:rPr>
+              <a:t>CLR</a:t>
+            </a:r>
+            <a:endParaRPr lang="zh-CN" altLang="en-US" sz="1100" dirty="0"/>
+          </a:p>
+        </p:txBody>
+      </p:sp>
+      <p:cxnSp>
+        <p:nvCxnSpPr>
+          <p:cNvPr id="142" name="Straight Connector 141"/>
+          <p:cNvCxnSpPr/>
+          <p:nvPr/>
+        </p:nvCxnSpPr>
+        <p:spPr>
+          <a:xfrm rot="5400000" flipH="1">
+            <a:off x="1637913" y="4522553"/>
+            <a:ext cx="216736" cy="0"/>
+          </a:xfrm>
+          <a:prstGeom prst="line">
+            <a:avLst/>
+          </a:prstGeom>
+          <a:ln/>
+        </p:spPr>
+        <p:style>
+          <a:lnRef idx="1">
+            <a:schemeClr val="dk1"/>
+          </a:lnRef>
+          <a:fillRef idx="0">
+            <a:schemeClr val="dk1"/>
+          </a:fillRef>
+          <a:effectRef idx="0">
+            <a:schemeClr val="dk1"/>
+          </a:effectRef>
+          <a:fontRef idx="minor">
+            <a:schemeClr val="tx1"/>
+          </a:fontRef>
+        </p:style>
+      </p:cxnSp>
+      <p:sp>
+        <p:nvSpPr>
+          <p:cNvPr id="143" name="Rectangle 142"/>
+          <p:cNvSpPr/>
+          <p:nvPr/>
+        </p:nvSpPr>
+        <p:spPr>
+          <a:xfrm rot="5400000">
+            <a:off x="1548150" y="4633504"/>
+            <a:ext cx="396262" cy="261610"/>
+          </a:xfrm>
+          <a:prstGeom prst="rect">
+            <a:avLst/>
+          </a:prstGeom>
+        </p:spPr>
+        <p:txBody>
+          <a:bodyPr wrap="none">
+            <a:spAutoFit/>
+          </a:bodyPr>
+          <a:lstStyle/>
+          <a:p>
+            <a:r>
+              <a:rPr lang="en-US" altLang="zh-CN" sz="1100" dirty="0" smtClean="0">
+                <a:solidFill>
+                  <a:srgbClr val="24292E"/>
+                </a:solidFill>
+                <a:latin typeface="-apple-system"/>
+              </a:rPr>
+              <a:t>LPC</a:t>
+            </a:r>
+            <a:endParaRPr lang="zh-CN" altLang="en-US" sz="1100" dirty="0"/>
+          </a:p>
+        </p:txBody>
+      </p:sp>
+      <p:cxnSp>
+        <p:nvCxnSpPr>
+          <p:cNvPr id="144" name="Straight Connector 143"/>
+          <p:cNvCxnSpPr/>
+          <p:nvPr/>
+        </p:nvCxnSpPr>
+        <p:spPr>
+          <a:xfrm rot="5400000" flipH="1">
+            <a:off x="1768718" y="4518642"/>
+            <a:ext cx="216736" cy="0"/>
+          </a:xfrm>
+          <a:prstGeom prst="line">
+            <a:avLst/>
+          </a:prstGeom>
+          <a:ln/>
+        </p:spPr>
+        <p:style>
+          <a:lnRef idx="1">
+            <a:schemeClr val="dk1"/>
+          </a:lnRef>
+          <a:fillRef idx="0">
+            <a:schemeClr val="dk1"/>
+          </a:fillRef>
+          <a:effectRef idx="0">
+            <a:schemeClr val="dk1"/>
+          </a:effectRef>
+          <a:fontRef idx="minor">
+            <a:schemeClr val="tx1"/>
+          </a:fontRef>
+        </p:style>
+      </p:cxnSp>
+      <p:sp>
+        <p:nvSpPr>
+          <p:cNvPr id="145" name="Rectangle 144"/>
+          <p:cNvSpPr/>
+          <p:nvPr/>
+        </p:nvSpPr>
+        <p:spPr>
+          <a:xfrm rot="5400000">
+            <a:off x="1608423" y="4705793"/>
+            <a:ext cx="537327" cy="261610"/>
+          </a:xfrm>
+          <a:prstGeom prst="rect">
+            <a:avLst/>
+          </a:prstGeom>
+        </p:spPr>
+        <p:txBody>
+          <a:bodyPr wrap="none">
+            <a:spAutoFit/>
+          </a:bodyPr>
+          <a:lstStyle/>
+          <a:p>
+            <a:r>
+              <a:rPr lang="en-US" altLang="zh-CN" sz="1100" dirty="0" smtClean="0">
+                <a:solidFill>
+                  <a:srgbClr val="24292E"/>
+                </a:solidFill>
+                <a:latin typeface="-apple-system"/>
+              </a:rPr>
+              <a:t>PCINC</a:t>
+            </a:r>
+            <a:endParaRPr lang="zh-CN" altLang="en-US" sz="1100" dirty="0"/>
+          </a:p>
+        </p:txBody>
+      </p:sp>
+      <p:sp>
+        <p:nvSpPr>
+          <p:cNvPr id="147" name="Rectangle 146"/>
+          <p:cNvSpPr/>
+          <p:nvPr/>
+        </p:nvSpPr>
+        <p:spPr>
+          <a:xfrm>
+            <a:off x="10092002" y="5499745"/>
+            <a:ext cx="913749" cy="538045"/>
+          </a:xfrm>
+          <a:prstGeom prst="rect">
+            <a:avLst/>
+          </a:prstGeom>
+        </p:spPr>
+        <p:style>
+          <a:lnRef idx="2">
+            <a:schemeClr val="accent1">
+              <a:shade val="50000"/>
+            </a:schemeClr>
+          </a:lnRef>
+          <a:fillRef idx="1">
+            <a:schemeClr val="accent1"/>
+          </a:fillRef>
+          <a:effectRef idx="0">
+            <a:schemeClr val="accent1"/>
+          </a:effectRef>
+          <a:fontRef idx="minor">
+            <a:schemeClr val="lt1"/>
+          </a:fontRef>
+        </p:style>
+        <p:txBody>
+          <a:bodyPr rtlCol="0" anchor="ctr"/>
+          <a:lstStyle/>
+          <a:p>
+            <a:pPr algn="ctr"/>
+            <a:r>
+              <a:rPr lang="en-US" altLang="zh-CN" dirty="0" smtClean="0"/>
+              <a:t>PSW</a:t>
+            </a:r>
+            <a:endParaRPr lang="zh-CN" altLang="en-US" dirty="0"/>
+          </a:p>
+        </p:txBody>
+      </p:sp>
+      <p:sp>
+        <p:nvSpPr>
+          <p:cNvPr id="148" name="Rectangle 147"/>
+          <p:cNvSpPr/>
+          <p:nvPr/>
+        </p:nvSpPr>
+        <p:spPr>
+          <a:xfrm>
+            <a:off x="3499619" y="3838095"/>
+            <a:ext cx="1347087" cy="1837773"/>
+          </a:xfrm>
+          <a:prstGeom prst="rect">
+            <a:avLst/>
+          </a:prstGeom>
+        </p:spPr>
+        <p:style>
+          <a:lnRef idx="2">
+            <a:schemeClr val="accent1">
+              <a:shade val="50000"/>
+            </a:schemeClr>
+          </a:lnRef>
+          <a:fillRef idx="1">
+            <a:schemeClr val="accent1"/>
+          </a:fillRef>
+          <a:effectRef idx="0">
+            <a:schemeClr val="accent1"/>
+          </a:effectRef>
+          <a:fontRef idx="minor">
+            <a:schemeClr val="lt1"/>
+          </a:fontRef>
+        </p:style>
+        <p:txBody>
+          <a:bodyPr rtlCol="0" anchor="ctr"/>
+          <a:lstStyle/>
+          <a:p>
+            <a:pPr algn="ctr"/>
+            <a:r>
+              <a:rPr lang="en-US" altLang="zh-CN" dirty="0" smtClean="0"/>
+              <a:t>RAM</a:t>
+            </a:r>
+            <a:endParaRPr lang="zh-CN" altLang="en-US" dirty="0"/>
+          </a:p>
+        </p:txBody>
+      </p:sp>
+      <p:cxnSp>
+        <p:nvCxnSpPr>
+          <p:cNvPr id="149" name="Straight Connector 148"/>
+          <p:cNvCxnSpPr/>
+          <p:nvPr/>
+        </p:nvCxnSpPr>
+        <p:spPr>
+          <a:xfrm>
+            <a:off x="2993656" y="3470968"/>
+            <a:ext cx="0" cy="3134498"/>
+          </a:xfrm>
+          <a:prstGeom prst="line">
+            <a:avLst/>
+          </a:prstGeom>
+          <a:ln w="152400">
+            <a:solidFill>
+              <a:schemeClr val="accent1">
+                <a:lumMod val="50000"/>
+              </a:schemeClr>
+            </a:solidFill>
+          </a:ln>
+        </p:spPr>
+        <p:style>
+          <a:lnRef idx="1">
+            <a:schemeClr val="accent1"/>
+          </a:lnRef>
+          <a:fillRef idx="0">
+            <a:schemeClr val="accent1"/>
+          </a:fillRef>
+          <a:effectRef idx="0">
+            <a:schemeClr val="accent1"/>
+          </a:effectRef>
+          <a:fontRef idx="minor">
+            <a:schemeClr val="tx1"/>
+          </a:fontRef>
+        </p:style>
+      </p:cxnSp>
+      <p:sp>
+        <p:nvSpPr>
+          <p:cNvPr id="150" name="Rectangle 149"/>
+          <p:cNvSpPr/>
+          <p:nvPr/>
+        </p:nvSpPr>
+        <p:spPr>
+          <a:xfrm>
+            <a:off x="3498565" y="6033681"/>
+            <a:ext cx="1347087" cy="445789"/>
+          </a:xfrm>
+          <a:prstGeom prst="rect">
+            <a:avLst/>
+          </a:prstGeom>
+        </p:spPr>
+        <p:style>
+          <a:lnRef idx="2">
+            <a:schemeClr val="accent1">
+              <a:shade val="50000"/>
+            </a:schemeClr>
+          </a:lnRef>
+          <a:fillRef idx="1">
+            <a:schemeClr val="accent1"/>
+          </a:fillRef>
+          <a:effectRef idx="0">
+            <a:schemeClr val="accent1"/>
+          </a:effectRef>
+          <a:fontRef idx="minor">
+            <a:schemeClr val="lt1"/>
+          </a:fontRef>
+        </p:style>
+        <p:txBody>
+          <a:bodyPr rtlCol="0" anchor="ctr"/>
+          <a:lstStyle/>
+          <a:p>
+            <a:pPr algn="ctr"/>
+            <a:r>
+              <a:rPr lang="en-US" altLang="zh-CN" dirty="0" smtClean="0"/>
+              <a:t>AR</a:t>
+            </a:r>
+          </a:p>
+        </p:txBody>
+      </p:sp>
+      <p:cxnSp>
+        <p:nvCxnSpPr>
+          <p:cNvPr id="151" name="Straight Arrow Connector 150"/>
+          <p:cNvCxnSpPr/>
+          <p:nvPr/>
+        </p:nvCxnSpPr>
+        <p:spPr>
+          <a:xfrm>
+            <a:off x="3064547" y="6273414"/>
+            <a:ext cx="439135" cy="0"/>
+          </a:xfrm>
+          <a:prstGeom prst="straightConnector1">
+            <a:avLst/>
+          </a:prstGeom>
+          <a:ln w="38100">
+            <a:tailEnd type="triangle"/>
+          </a:ln>
+        </p:spPr>
+        <p:style>
+          <a:lnRef idx="1">
+            <a:schemeClr val="accent1"/>
+          </a:lnRef>
+          <a:fillRef idx="0">
+            <a:schemeClr val="accent1"/>
+          </a:fillRef>
+          <a:effectRef idx="0">
+            <a:schemeClr val="accent1"/>
+          </a:effectRef>
+          <a:fontRef idx="minor">
+            <a:schemeClr val="tx1"/>
+          </a:fontRef>
+        </p:style>
+      </p:cxnSp>
+      <p:cxnSp>
+        <p:nvCxnSpPr>
+          <p:cNvPr id="155" name="Straight Arrow Connector 154"/>
+          <p:cNvCxnSpPr>
+            <a:stCxn id="150" idx="0"/>
+            <a:endCxn id="148" idx="2"/>
+          </p:cNvCxnSpPr>
+          <p:nvPr/>
+        </p:nvCxnSpPr>
+        <p:spPr>
+          <a:xfrm flipV="1">
+            <a:off x="4172109" y="5675868"/>
+            <a:ext cx="1054" cy="357813"/>
+          </a:xfrm>
+          <a:prstGeom prst="straightConnector1">
+            <a:avLst/>
+          </a:prstGeom>
+          <a:ln w="38100">
+            <a:tailEnd type="triangle"/>
+          </a:ln>
+        </p:spPr>
+        <p:style>
+          <a:lnRef idx="1">
+            <a:schemeClr val="accent1"/>
+          </a:lnRef>
+          <a:fillRef idx="0">
+            <a:schemeClr val="accent1"/>
+          </a:fillRef>
+          <a:effectRef idx="0">
+            <a:schemeClr val="accent1"/>
+          </a:effectRef>
+          <a:fontRef idx="minor">
+            <a:schemeClr val="tx1"/>
+          </a:fontRef>
+        </p:style>
+      </p:cxnSp>
+      <p:cxnSp>
+        <p:nvCxnSpPr>
+          <p:cNvPr id="156" name="Straight Connector 155"/>
+          <p:cNvCxnSpPr/>
+          <p:nvPr/>
+        </p:nvCxnSpPr>
+        <p:spPr>
+          <a:xfrm flipH="1">
+            <a:off x="4844765" y="6144664"/>
+            <a:ext cx="216736" cy="0"/>
+          </a:xfrm>
+          <a:prstGeom prst="line">
+            <a:avLst/>
+          </a:prstGeom>
+          <a:ln/>
+        </p:spPr>
+        <p:style>
+          <a:lnRef idx="1">
+            <a:schemeClr val="dk1"/>
+          </a:lnRef>
+          <a:fillRef idx="0">
+            <a:schemeClr val="dk1"/>
+          </a:fillRef>
+          <a:effectRef idx="0">
+            <a:schemeClr val="dk1"/>
+          </a:effectRef>
+          <a:fontRef idx="minor">
+            <a:schemeClr val="tx1"/>
+          </a:fontRef>
+        </p:style>
+      </p:cxnSp>
+      <p:sp>
+        <p:nvSpPr>
+          <p:cNvPr id="157" name="Rectangle 156"/>
+          <p:cNvSpPr/>
+          <p:nvPr/>
+        </p:nvSpPr>
+        <p:spPr>
+          <a:xfrm>
+            <a:off x="5019031" y="6013859"/>
+            <a:ext cx="537327" cy="261610"/>
+          </a:xfrm>
+          <a:prstGeom prst="rect">
+            <a:avLst/>
+          </a:prstGeom>
+        </p:spPr>
+        <p:txBody>
+          <a:bodyPr wrap="none">
+            <a:spAutoFit/>
+          </a:bodyPr>
+          <a:lstStyle/>
+          <a:p>
+            <a:r>
+              <a:rPr lang="en-US" altLang="zh-CN" sz="1100" dirty="0" smtClean="0">
+                <a:solidFill>
+                  <a:srgbClr val="24292E"/>
+                </a:solidFill>
+                <a:latin typeface="-apple-system"/>
+              </a:rPr>
+              <a:t>AR_LD</a:t>
+            </a:r>
+            <a:endParaRPr lang="zh-CN" altLang="en-US" sz="1100" dirty="0"/>
+          </a:p>
+        </p:txBody>
+      </p:sp>
+      <p:cxnSp>
+        <p:nvCxnSpPr>
+          <p:cNvPr id="158" name="Straight Connector 157"/>
+          <p:cNvCxnSpPr/>
+          <p:nvPr/>
+        </p:nvCxnSpPr>
+        <p:spPr>
+          <a:xfrm flipH="1">
+            <a:off x="4845194" y="6348665"/>
+            <a:ext cx="216736" cy="0"/>
+          </a:xfrm>
+          <a:prstGeom prst="line">
+            <a:avLst/>
+          </a:prstGeom>
+          <a:ln/>
+        </p:spPr>
+        <p:style>
+          <a:lnRef idx="1">
+            <a:schemeClr val="dk1"/>
+          </a:lnRef>
+          <a:fillRef idx="0">
+            <a:schemeClr val="dk1"/>
+          </a:fillRef>
+          <a:effectRef idx="0">
+            <a:schemeClr val="dk1"/>
+          </a:effectRef>
+          <a:fontRef idx="minor">
+            <a:schemeClr val="tx1"/>
+          </a:fontRef>
+        </p:style>
+      </p:cxnSp>
+      <p:sp>
+        <p:nvSpPr>
+          <p:cNvPr id="159" name="Rectangle 158"/>
+          <p:cNvSpPr/>
+          <p:nvPr/>
+        </p:nvSpPr>
+        <p:spPr>
+          <a:xfrm>
+            <a:off x="5019460" y="6217860"/>
+            <a:ext cx="396262" cy="261610"/>
+          </a:xfrm>
+          <a:prstGeom prst="rect">
+            <a:avLst/>
+          </a:prstGeom>
+        </p:spPr>
+        <p:txBody>
+          <a:bodyPr wrap="none">
+            <a:spAutoFit/>
+          </a:bodyPr>
+          <a:lstStyle/>
+          <a:p>
+            <a:r>
+              <a:rPr lang="en-US" altLang="zh-CN" sz="1100" dirty="0" smtClean="0">
+                <a:solidFill>
+                  <a:srgbClr val="24292E"/>
+                </a:solidFill>
+                <a:latin typeface="-apple-system"/>
+              </a:rPr>
+              <a:t>CLK</a:t>
+            </a:r>
+            <a:endParaRPr lang="zh-CN" altLang="en-US" sz="1100" dirty="0"/>
+          </a:p>
+        </p:txBody>
+      </p:sp>
+      <p:cxnSp>
+        <p:nvCxnSpPr>
+          <p:cNvPr id="161" name="Straight Arrow Connector 160"/>
+          <p:cNvCxnSpPr>
+            <a:stCxn id="148" idx="0"/>
+          </p:cNvCxnSpPr>
+          <p:nvPr/>
+        </p:nvCxnSpPr>
+        <p:spPr>
+          <a:xfrm flipH="1" flipV="1">
+            <a:off x="4172109" y="3566985"/>
+            <a:ext cx="1054" cy="271110"/>
+          </a:xfrm>
+          <a:prstGeom prst="straightConnector1">
+            <a:avLst/>
+          </a:prstGeom>
+          <a:ln w="38100">
+            <a:tailEnd type="triangle"/>
+          </a:ln>
+        </p:spPr>
+        <p:style>
+          <a:lnRef idx="1">
+            <a:schemeClr val="accent1"/>
+          </a:lnRef>
+          <a:fillRef idx="0">
+            <a:schemeClr val="accent1"/>
+          </a:fillRef>
+          <a:effectRef idx="0">
+            <a:schemeClr val="accent1"/>
+          </a:effectRef>
+          <a:fontRef idx="minor">
+            <a:schemeClr val="tx1"/>
+          </a:fontRef>
+        </p:style>
+      </p:cxnSp>
+      <p:cxnSp>
+        <p:nvCxnSpPr>
+          <p:cNvPr id="162" name="Straight Connector 161"/>
+          <p:cNvCxnSpPr/>
+          <p:nvPr/>
+        </p:nvCxnSpPr>
+        <p:spPr>
+          <a:xfrm flipH="1">
+            <a:off x="4834878" y="4653450"/>
+            <a:ext cx="216736" cy="0"/>
+          </a:xfrm>
+          <a:prstGeom prst="line">
+            <a:avLst/>
+          </a:prstGeom>
+          <a:ln/>
+        </p:spPr>
+        <p:style>
+          <a:lnRef idx="1">
+            <a:schemeClr val="dk1"/>
+          </a:lnRef>
+          <a:fillRef idx="0">
+            <a:schemeClr val="dk1"/>
+          </a:fillRef>
+          <a:effectRef idx="0">
+            <a:schemeClr val="dk1"/>
+          </a:effectRef>
+          <a:fontRef idx="minor">
+            <a:schemeClr val="tx1"/>
+          </a:fontRef>
+        </p:style>
+      </p:cxnSp>
+      <p:sp>
+        <p:nvSpPr>
+          <p:cNvPr id="163" name="Rectangle 162"/>
+          <p:cNvSpPr/>
+          <p:nvPr/>
+        </p:nvSpPr>
+        <p:spPr>
+          <a:xfrm>
+            <a:off x="5009144" y="4522645"/>
+            <a:ext cx="607859" cy="261610"/>
+          </a:xfrm>
+          <a:prstGeom prst="rect">
+            <a:avLst/>
+          </a:prstGeom>
+        </p:spPr>
+        <p:txBody>
+          <a:bodyPr wrap="none">
+            <a:spAutoFit/>
+          </a:bodyPr>
+          <a:lstStyle/>
+          <a:p>
+            <a:r>
+              <a:rPr lang="en-US" altLang="zh-CN" sz="1100" dirty="0" smtClean="0">
+                <a:solidFill>
+                  <a:srgbClr val="24292E"/>
+                </a:solidFill>
+                <a:latin typeface="-apple-system"/>
+              </a:rPr>
+              <a:t>MEM_CE</a:t>
+            </a:r>
+            <a:endParaRPr lang="zh-CN" altLang="en-US" sz="1100" dirty="0"/>
+          </a:p>
+        </p:txBody>
+      </p:sp>
+      <p:cxnSp>
+        <p:nvCxnSpPr>
+          <p:cNvPr id="164" name="Straight Connector 163"/>
+          <p:cNvCxnSpPr/>
+          <p:nvPr/>
+        </p:nvCxnSpPr>
+        <p:spPr>
+          <a:xfrm flipH="1">
+            <a:off x="4835307" y="4857451"/>
+            <a:ext cx="216736" cy="0"/>
+          </a:xfrm>
+          <a:prstGeom prst="line">
+            <a:avLst/>
+          </a:prstGeom>
+          <a:ln/>
+        </p:spPr>
+        <p:style>
+          <a:lnRef idx="1">
+            <a:schemeClr val="dk1"/>
+          </a:lnRef>
+          <a:fillRef idx="0">
+            <a:schemeClr val="dk1"/>
+          </a:fillRef>
+          <a:effectRef idx="0">
+            <a:schemeClr val="dk1"/>
+          </a:effectRef>
+          <a:fontRef idx="minor">
+            <a:schemeClr val="tx1"/>
+          </a:fontRef>
+        </p:style>
+      </p:cxnSp>
+      <p:sp>
+        <p:nvSpPr>
+          <p:cNvPr id="165" name="Rectangle 164"/>
+          <p:cNvSpPr/>
+          <p:nvPr/>
+        </p:nvSpPr>
+        <p:spPr>
+          <a:xfrm>
+            <a:off x="5009573" y="4726646"/>
+            <a:ext cx="607859" cy="261610"/>
+          </a:xfrm>
+          <a:prstGeom prst="rect">
+            <a:avLst/>
+          </a:prstGeom>
+        </p:spPr>
+        <p:txBody>
+          <a:bodyPr wrap="none">
+            <a:spAutoFit/>
+          </a:bodyPr>
+          <a:lstStyle/>
+          <a:p>
+            <a:r>
+              <a:rPr lang="en-US" altLang="zh-CN" sz="1100" dirty="0" smtClean="0">
+                <a:solidFill>
+                  <a:srgbClr val="24292E"/>
+                </a:solidFill>
+                <a:latin typeface="-apple-system"/>
+              </a:rPr>
+              <a:t>MEM_WE</a:t>
+            </a:r>
+            <a:endParaRPr lang="zh-CN" altLang="en-US" sz="1100" dirty="0"/>
+          </a:p>
+        </p:txBody>
+      </p:sp>
     </p:spTree>
     <p:extLst>
       <p:ext uri="{BB962C8B-B14F-4D97-AF65-F5344CB8AC3E}">

--- a/数据通路图.pptx
+++ b/数据通路图.pptx
@@ -6500,41 +6500,6 @@
       </p:sp>
       <p:cxnSp>
         <p:nvCxnSpPr>
-          <p:cNvPr id="161" name="Straight Arrow Connector 160"/>
-          <p:cNvCxnSpPr>
-            <a:stCxn id="148" idx="0"/>
-          </p:cNvCxnSpPr>
-          <p:nvPr/>
-        </p:nvCxnSpPr>
-        <p:spPr>
-          <a:xfrm flipH="1" flipV="1">
-            <a:off x="4172109" y="3566985"/>
-            <a:ext cx="1054" cy="271110"/>
-          </a:xfrm>
-          <a:prstGeom prst="straightConnector1">
-            <a:avLst/>
-          </a:prstGeom>
-          <a:ln w="38100">
-            <a:tailEnd type="triangle"/>
-          </a:ln>
-        </p:spPr>
-        <p:style>
-          <a:lnRef idx="1">
-            <a:schemeClr val="accent1"/>
-          </a:lnRef>
-          <a:fillRef idx="0">
-            <a:schemeClr val="accent1"/>
-          </a:fillRef>
-          <a:effectRef idx="0">
-            <a:schemeClr val="accent1"/>
-          </a:effectRef>
-          <a:fontRef idx="minor">
-            <a:schemeClr val="tx1"/>
-          </a:fontRef>
-        </p:style>
-      </p:cxnSp>
-      <p:cxnSp>
-        <p:nvCxnSpPr>
           <p:cNvPr id="162" name="Straight Connector 161"/>
           <p:cNvCxnSpPr/>
           <p:nvPr/>
@@ -6663,6 +6628,42 @@
           </a:p>
         </p:txBody>
       </p:sp>
+      <p:cxnSp>
+        <p:nvCxnSpPr>
+          <p:cNvPr id="8" name="Straight Arrow Connector 7"/>
+          <p:cNvCxnSpPr>
+            <a:stCxn id="148" idx="0"/>
+          </p:cNvCxnSpPr>
+          <p:nvPr/>
+        </p:nvCxnSpPr>
+        <p:spPr>
+          <a:xfrm flipV="1">
+            <a:off x="4173163" y="3535680"/>
+            <a:ext cx="0" cy="302415"/>
+          </a:xfrm>
+          <a:prstGeom prst="straightConnector1">
+            <a:avLst/>
+          </a:prstGeom>
+          <a:ln w="38100">
+            <a:headEnd type="triangle"/>
+            <a:tailEnd type="triangle"/>
+          </a:ln>
+        </p:spPr>
+        <p:style>
+          <a:lnRef idx="1">
+            <a:schemeClr val="accent1"/>
+          </a:lnRef>
+          <a:fillRef idx="0">
+            <a:schemeClr val="accent1"/>
+          </a:fillRef>
+          <a:effectRef idx="0">
+            <a:schemeClr val="accent1"/>
+          </a:effectRef>
+          <a:fontRef idx="minor">
+            <a:schemeClr val="tx1"/>
+          </a:fontRef>
+        </p:style>
+      </p:cxnSp>
     </p:spTree>
     <p:extLst>
       <p:ext uri="{BB962C8B-B14F-4D97-AF65-F5344CB8AC3E}">

--- a/数据通路图.pptx
+++ b/数据通路图.pptx
@@ -243,7 +243,7 @@
           <a:p>
             <a:fld id="{9910C037-A0BA-41B1-83CD-2A0BD3D48215}" type="datetimeFigureOut">
               <a:rPr lang="zh-CN" altLang="en-US" smtClean="0"/>
-              <a:t>2018/1/5</a:t>
+              <a:t>2018/1/6</a:t>
             </a:fld>
             <a:endParaRPr lang="zh-CN" altLang="en-US"/>
           </a:p>
@@ -413,7 +413,7 @@
           <a:p>
             <a:fld id="{9910C037-A0BA-41B1-83CD-2A0BD3D48215}" type="datetimeFigureOut">
               <a:rPr lang="zh-CN" altLang="en-US" smtClean="0"/>
-              <a:t>2018/1/5</a:t>
+              <a:t>2018/1/6</a:t>
             </a:fld>
             <a:endParaRPr lang="zh-CN" altLang="en-US"/>
           </a:p>
@@ -593,7 +593,7 @@
           <a:p>
             <a:fld id="{9910C037-A0BA-41B1-83CD-2A0BD3D48215}" type="datetimeFigureOut">
               <a:rPr lang="zh-CN" altLang="en-US" smtClean="0"/>
-              <a:t>2018/1/5</a:t>
+              <a:t>2018/1/6</a:t>
             </a:fld>
             <a:endParaRPr lang="zh-CN" altLang="en-US"/>
           </a:p>
@@ -763,7 +763,7 @@
           <a:p>
             <a:fld id="{9910C037-A0BA-41B1-83CD-2A0BD3D48215}" type="datetimeFigureOut">
               <a:rPr lang="zh-CN" altLang="en-US" smtClean="0"/>
-              <a:t>2018/1/5</a:t>
+              <a:t>2018/1/6</a:t>
             </a:fld>
             <a:endParaRPr lang="zh-CN" altLang="en-US"/>
           </a:p>
@@ -1009,7 +1009,7 @@
           <a:p>
             <a:fld id="{9910C037-A0BA-41B1-83CD-2A0BD3D48215}" type="datetimeFigureOut">
               <a:rPr lang="zh-CN" altLang="en-US" smtClean="0"/>
-              <a:t>2018/1/5</a:t>
+              <a:t>2018/1/6</a:t>
             </a:fld>
             <a:endParaRPr lang="zh-CN" altLang="en-US"/>
           </a:p>
@@ -1241,7 +1241,7 @@
           <a:p>
             <a:fld id="{9910C037-A0BA-41B1-83CD-2A0BD3D48215}" type="datetimeFigureOut">
               <a:rPr lang="zh-CN" altLang="en-US" smtClean="0"/>
-              <a:t>2018/1/5</a:t>
+              <a:t>2018/1/6</a:t>
             </a:fld>
             <a:endParaRPr lang="zh-CN" altLang="en-US"/>
           </a:p>
@@ -1608,7 +1608,7 @@
           <a:p>
             <a:fld id="{9910C037-A0BA-41B1-83CD-2A0BD3D48215}" type="datetimeFigureOut">
               <a:rPr lang="zh-CN" altLang="en-US" smtClean="0"/>
-              <a:t>2018/1/5</a:t>
+              <a:t>2018/1/6</a:t>
             </a:fld>
             <a:endParaRPr lang="zh-CN" altLang="en-US"/>
           </a:p>
@@ -1726,7 +1726,7 @@
           <a:p>
             <a:fld id="{9910C037-A0BA-41B1-83CD-2A0BD3D48215}" type="datetimeFigureOut">
               <a:rPr lang="zh-CN" altLang="en-US" smtClean="0"/>
-              <a:t>2018/1/5</a:t>
+              <a:t>2018/1/6</a:t>
             </a:fld>
             <a:endParaRPr lang="zh-CN" altLang="en-US"/>
           </a:p>
@@ -1821,7 +1821,7 @@
           <a:p>
             <a:fld id="{9910C037-A0BA-41B1-83CD-2A0BD3D48215}" type="datetimeFigureOut">
               <a:rPr lang="zh-CN" altLang="en-US" smtClean="0"/>
-              <a:t>2018/1/5</a:t>
+              <a:t>2018/1/6</a:t>
             </a:fld>
             <a:endParaRPr lang="zh-CN" altLang="en-US"/>
           </a:p>
@@ -2098,7 +2098,7 @@
           <a:p>
             <a:fld id="{9910C037-A0BA-41B1-83CD-2A0BD3D48215}" type="datetimeFigureOut">
               <a:rPr lang="zh-CN" altLang="en-US" smtClean="0"/>
-              <a:t>2018/1/5</a:t>
+              <a:t>2018/1/6</a:t>
             </a:fld>
             <a:endParaRPr lang="zh-CN" altLang="en-US"/>
           </a:p>
@@ -2351,7 +2351,7 @@
           <a:p>
             <a:fld id="{9910C037-A0BA-41B1-83CD-2A0BD3D48215}" type="datetimeFigureOut">
               <a:rPr lang="zh-CN" altLang="en-US" smtClean="0"/>
-              <a:t>2018/1/5</a:t>
+              <a:t>2018/1/6</a:t>
             </a:fld>
             <a:endParaRPr lang="zh-CN" altLang="en-US"/>
           </a:p>
@@ -2564,7 +2564,7 @@
           <a:p>
             <a:fld id="{9910C037-A0BA-41B1-83CD-2A0BD3D48215}" type="datetimeFigureOut">
               <a:rPr lang="zh-CN" altLang="en-US" smtClean="0"/>
-              <a:t>2018/1/5</a:t>
+              <a:t>2018/1/6</a:t>
             </a:fld>
             <a:endParaRPr lang="zh-CN" altLang="en-US"/>
           </a:p>
@@ -4117,7 +4117,7 @@
         </p:nvSpPr>
         <p:spPr>
           <a:xfrm>
-            <a:off x="1424704" y="328163"/>
+            <a:off x="1408228" y="262259"/>
             <a:ext cx="702402" cy="398454"/>
           </a:xfrm>
           <a:prstGeom prst="rect">
@@ -4161,7 +4161,7 @@
         </p:nvCxnSpPr>
         <p:spPr>
           <a:xfrm flipH="1">
-            <a:off x="1207968" y="428414"/>
+            <a:off x="1191492" y="362510"/>
             <a:ext cx="216736" cy="0"/>
           </a:xfrm>
           <a:prstGeom prst="line">
@@ -4192,7 +4192,7 @@
         </p:nvCxnSpPr>
         <p:spPr>
           <a:xfrm flipH="1">
-            <a:off x="1207968" y="614019"/>
+            <a:off x="1191492" y="548115"/>
             <a:ext cx="216736" cy="0"/>
           </a:xfrm>
           <a:prstGeom prst="line">
@@ -4223,7 +4223,7 @@
         </p:nvSpPr>
         <p:spPr>
           <a:xfrm>
-            <a:off x="575186" y="296887"/>
+            <a:off x="558710" y="230983"/>
             <a:ext cx="678391" cy="261610"/>
           </a:xfrm>
           <a:prstGeom prst="rect">
@@ -4257,7 +4257,7 @@
         </p:nvSpPr>
         <p:spPr>
           <a:xfrm>
-            <a:off x="579444" y="478686"/>
+            <a:off x="562968" y="412782"/>
             <a:ext cx="678391" cy="261610"/>
           </a:xfrm>
           <a:prstGeom prst="rect">
@@ -4786,8 +4786,8 @@
         </p:nvSpPr>
         <p:spPr>
           <a:xfrm rot="5400000">
-            <a:off x="3636846" y="1087872"/>
-            <a:ext cx="889987" cy="261610"/>
+            <a:off x="3601580" y="1070727"/>
+            <a:ext cx="960519" cy="261610"/>
           </a:xfrm>
           <a:prstGeom prst="rect">
             <a:avLst/>
@@ -4806,7 +4806,7 @@
                 </a:solidFill>
                 <a:latin typeface="-apple-system"/>
               </a:rPr>
-              <a:t>REG_OUT_EN</a:t>
+              <a:t>REG_OUT_BUS</a:t>
             </a:r>
             <a:endParaRPr lang="zh-CN" altLang="en-US" sz="1100" dirty="0"/>
           </a:p>
@@ -6664,6 +6664,150 @@
           </a:fontRef>
         </p:style>
       </p:cxnSp>
+      <p:sp>
+        <p:nvSpPr>
+          <p:cNvPr id="108" name="Rectangle 107"/>
+          <p:cNvSpPr/>
+          <p:nvPr/>
+        </p:nvSpPr>
+        <p:spPr>
+          <a:xfrm>
+            <a:off x="2234355" y="159510"/>
+            <a:ext cx="576649" cy="593125"/>
+          </a:xfrm>
+          <a:prstGeom prst="rect">
+            <a:avLst/>
+          </a:prstGeom>
+        </p:spPr>
+        <p:style>
+          <a:lnRef idx="2">
+            <a:schemeClr val="accent1">
+              <a:shade val="50000"/>
+            </a:schemeClr>
+          </a:lnRef>
+          <a:fillRef idx="1">
+            <a:schemeClr val="accent1"/>
+          </a:fillRef>
+          <a:effectRef idx="0">
+            <a:schemeClr val="accent1"/>
+          </a:effectRef>
+          <a:fontRef idx="minor">
+            <a:schemeClr val="lt1"/>
+          </a:fontRef>
+        </p:style>
+        <p:txBody>
+          <a:bodyPr rtlCol="0" anchor="ctr"/>
+          <a:lstStyle/>
+          <a:p>
+            <a:pPr algn="ctr"/>
+            <a:r>
+              <a:rPr lang="en-US" altLang="zh-CN" smtClean="0"/>
+              <a:t>TRI</a:t>
+            </a:r>
+          </a:p>
+        </p:txBody>
+      </p:sp>
+      <p:cxnSp>
+        <p:nvCxnSpPr>
+          <p:cNvPr id="113" name="Straight Arrow Connector 112"/>
+          <p:cNvCxnSpPr>
+            <a:stCxn id="2" idx="3"/>
+            <a:endCxn id="108" idx="1"/>
+          </p:cNvCxnSpPr>
+          <p:nvPr/>
+        </p:nvCxnSpPr>
+        <p:spPr>
+          <a:xfrm flipV="1">
+            <a:off x="2110630" y="456073"/>
+            <a:ext cx="123725" cy="5413"/>
+          </a:xfrm>
+          <a:prstGeom prst="straightConnector1">
+            <a:avLst/>
+          </a:prstGeom>
+          <a:ln w="38100">
+            <a:tailEnd type="triangle"/>
+          </a:ln>
+        </p:spPr>
+        <p:style>
+          <a:lnRef idx="1">
+            <a:schemeClr val="accent1"/>
+          </a:lnRef>
+          <a:fillRef idx="0">
+            <a:schemeClr val="accent1"/>
+          </a:fillRef>
+          <a:effectRef idx="0">
+            <a:schemeClr val="accent1"/>
+          </a:effectRef>
+          <a:fontRef idx="minor">
+            <a:schemeClr val="tx1"/>
+          </a:fontRef>
+        </p:style>
+      </p:cxnSp>
+      <p:cxnSp>
+        <p:nvCxnSpPr>
+          <p:cNvPr id="114" name="Straight Connector 113"/>
+          <p:cNvCxnSpPr/>
+          <p:nvPr/>
+        </p:nvCxnSpPr>
+        <p:spPr>
+          <a:xfrm flipH="1">
+            <a:off x="2799589" y="456072"/>
+            <a:ext cx="216736" cy="0"/>
+          </a:xfrm>
+          <a:prstGeom prst="line">
+            <a:avLst/>
+          </a:prstGeom>
+          <a:ln/>
+        </p:spPr>
+        <p:style>
+          <a:lnRef idx="1">
+            <a:schemeClr val="dk1"/>
+          </a:lnRef>
+          <a:fillRef idx="0">
+            <a:schemeClr val="dk1"/>
+          </a:fillRef>
+          <a:effectRef idx="0">
+            <a:schemeClr val="dk1"/>
+          </a:effectRef>
+          <a:fontRef idx="minor">
+            <a:schemeClr val="tx1"/>
+          </a:fontRef>
+        </p:style>
+      </p:cxnSp>
+      <p:sp>
+        <p:nvSpPr>
+          <p:cNvPr id="115" name="Rectangle 114"/>
+          <p:cNvSpPr/>
+          <p:nvPr/>
+        </p:nvSpPr>
+        <p:spPr>
+          <a:xfrm>
+            <a:off x="2970816" y="325267"/>
+            <a:ext cx="889987" cy="261610"/>
+          </a:xfrm>
+          <a:prstGeom prst="rect">
+            <a:avLst/>
+          </a:prstGeom>
+        </p:spPr>
+        <p:txBody>
+          <a:bodyPr wrap="none">
+            <a:spAutoFit/>
+          </a:bodyPr>
+          <a:lstStyle/>
+          <a:p>
+            <a:r>
+              <a:rPr lang="en-US" altLang="zh-CN" sz="1100" dirty="0" smtClean="0">
+                <a:solidFill>
+                  <a:srgbClr val="24292E"/>
+                </a:solidFill>
+                <a:latin typeface="-apple-system"/>
+              </a:rPr>
+              <a:t>REG_IN_BUS</a:t>
+            </a:r>
+            <a:endParaRPr lang="zh-CN" altLang="en-US" sz="1100" dirty="0"/>
+          </a:p>
+        </p:txBody>
+      </p:sp>
     </p:spTree>
     <p:extLst>
       <p:ext uri="{BB962C8B-B14F-4D97-AF65-F5344CB8AC3E}">
@@ -6674,6 +6818,13 @@
   <p:clrMapOvr>
     <a:masterClrMapping/>
   </p:clrMapOvr>
+  <p:timing>
+    <p:tnLst>
+      <p:par>
+        <p:cTn id="1" dur="indefinite" restart="never" nodeType="tmRoot"/>
+      </p:par>
+    </p:tnLst>
+  </p:timing>
 </p:sld>
 </file>
 

--- a/数据通路图.pptx
+++ b/数据通路图.pptx
@@ -3703,8 +3703,8 @@
         </p:nvSpPr>
         <p:spPr>
           <a:xfrm>
-            <a:off x="5481890" y="1071138"/>
-            <a:ext cx="504634" cy="529390"/>
+            <a:off x="5422761" y="1071138"/>
+            <a:ext cx="563763" cy="529390"/>
           </a:xfrm>
           <a:prstGeom prst="rect">
             <a:avLst/>
@@ -3733,7 +3733,7 @@
             <a:pPr algn="ctr"/>
             <a:r>
               <a:rPr lang="en-US" altLang="zh-CN" dirty="0" smtClean="0"/>
-              <a:t>DA</a:t>
+              <a:t>ZREG1</a:t>
             </a:r>
             <a:endParaRPr lang="zh-CN" altLang="en-US" dirty="0"/>
           </a:p>
@@ -3747,8 +3747,8 @@
         </p:nvSpPr>
         <p:spPr>
           <a:xfrm>
-            <a:off x="5481889" y="2096425"/>
-            <a:ext cx="504635" cy="529390"/>
+            <a:off x="5422761" y="2096425"/>
+            <a:ext cx="563763" cy="529390"/>
           </a:xfrm>
           <a:prstGeom prst="rect">
             <a:avLst/>
@@ -3777,7 +3777,7 @@
             <a:pPr algn="ctr"/>
             <a:r>
               <a:rPr lang="en-US" altLang="zh-CN" dirty="0" smtClean="0"/>
-              <a:t>DB</a:t>
+              <a:t>ZREG2</a:t>
             </a:r>
             <a:endParaRPr lang="zh-CN" altLang="en-US" dirty="0"/>
           </a:p>
@@ -3793,8 +3793,8 @@
         </p:nvCxnSpPr>
         <p:spPr>
           <a:xfrm>
-            <a:off x="4642012" y="1335833"/>
-            <a:ext cx="839878" cy="0"/>
+            <a:off x="4674742" y="1335833"/>
+            <a:ext cx="748019" cy="0"/>
           </a:xfrm>
           <a:prstGeom prst="straightConnector1">
             <a:avLst/>
@@ -3829,7 +3829,7 @@
         <p:spPr>
           <a:xfrm flipV="1">
             <a:off x="4674742" y="2361120"/>
-            <a:ext cx="807147" cy="5422"/>
+            <a:ext cx="748019" cy="5422"/>
           </a:xfrm>
           <a:prstGeom prst="straightConnector1">
             <a:avLst/>
@@ -4040,7 +4040,7 @@
         </p:nvSpPr>
         <p:spPr>
           <a:xfrm>
-            <a:off x="980953" y="5541895"/>
+            <a:off x="980953" y="6027929"/>
             <a:ext cx="913749" cy="529390"/>
           </a:xfrm>
           <a:prstGeom prst="rect">
@@ -4084,7 +4084,7 @@
         </p:nvCxnSpPr>
         <p:spPr>
           <a:xfrm flipH="1">
-            <a:off x="436605" y="5806590"/>
+            <a:off x="436605" y="6292624"/>
             <a:ext cx="556380" cy="0"/>
           </a:xfrm>
           <a:prstGeom prst="straightConnector1">
@@ -5275,7 +5275,7 @@
         </p:nvCxnSpPr>
         <p:spPr>
           <a:xfrm flipH="1">
-            <a:off x="5281808" y="1202104"/>
+            <a:off x="5224142" y="1202104"/>
             <a:ext cx="216736" cy="0"/>
           </a:xfrm>
           <a:prstGeom prst="line">
@@ -5306,7 +5306,7 @@
         </p:nvSpPr>
         <p:spPr>
           <a:xfrm>
-            <a:off x="4929168" y="1071138"/>
+            <a:off x="4871502" y="1071138"/>
             <a:ext cx="396262" cy="261610"/>
           </a:xfrm>
           <a:prstGeom prst="rect">
@@ -5340,7 +5340,7 @@
         </p:nvCxnSpPr>
         <p:spPr>
           <a:xfrm flipH="1">
-            <a:off x="5277808" y="2204078"/>
+            <a:off x="5220142" y="2204078"/>
             <a:ext cx="216736" cy="0"/>
           </a:xfrm>
           <a:prstGeom prst="line">
@@ -5371,7 +5371,7 @@
         </p:nvSpPr>
         <p:spPr>
           <a:xfrm>
-            <a:off x="4925168" y="2073112"/>
+            <a:off x="4867502" y="2073112"/>
             <a:ext cx="396262" cy="261610"/>
           </a:xfrm>
           <a:prstGeom prst="rect">
@@ -5405,7 +5405,7 @@
         </p:nvCxnSpPr>
         <p:spPr>
           <a:xfrm flipH="1">
-            <a:off x="5284618" y="1495957"/>
+            <a:off x="5226952" y="1495957"/>
             <a:ext cx="216736" cy="0"/>
           </a:xfrm>
           <a:prstGeom prst="line">
@@ -5436,7 +5436,7 @@
         </p:nvSpPr>
         <p:spPr>
           <a:xfrm>
-            <a:off x="4878110" y="1364991"/>
+            <a:off x="4820444" y="1364991"/>
             <a:ext cx="472990" cy="261610"/>
           </a:xfrm>
           <a:prstGeom prst="rect">
@@ -5470,7 +5470,7 @@
         </p:nvCxnSpPr>
         <p:spPr>
           <a:xfrm flipH="1">
-            <a:off x="5284618" y="2521243"/>
+            <a:off x="5226952" y="2521243"/>
             <a:ext cx="216736" cy="0"/>
           </a:xfrm>
           <a:prstGeom prst="line">
@@ -5501,7 +5501,7 @@
         </p:nvSpPr>
         <p:spPr>
           <a:xfrm>
-            <a:off x="4878110" y="2390277"/>
+            <a:off x="4820444" y="2390277"/>
             <a:ext cx="472990" cy="261610"/>
           </a:xfrm>
           <a:prstGeom prst="rect">
@@ -5674,7 +5674,7 @@
         </p:nvCxnSpPr>
         <p:spPr>
           <a:xfrm flipH="1">
-            <a:off x="1897155" y="5818499"/>
+            <a:off x="1897155" y="6304533"/>
             <a:ext cx="216736" cy="0"/>
           </a:xfrm>
           <a:prstGeom prst="line">
@@ -5705,7 +5705,7 @@
         </p:nvSpPr>
         <p:spPr>
           <a:xfrm>
-            <a:off x="2071421" y="5687694"/>
+            <a:off x="2071421" y="6173728"/>
             <a:ext cx="836536" cy="261610"/>
           </a:xfrm>
           <a:prstGeom prst="rect">
@@ -6803,6 +6803,311 @@
                 <a:latin typeface="-apple-system"/>
               </a:rPr>
               <a:t>REG_IN_BUS</a:t>
+            </a:r>
+            <a:endParaRPr lang="zh-CN" altLang="en-US" sz="1100" dirty="0"/>
+          </a:p>
+        </p:txBody>
+      </p:sp>
+      <p:sp>
+        <p:nvSpPr>
+          <p:cNvPr id="119" name="Rectangle 118"/>
+          <p:cNvSpPr/>
+          <p:nvPr/>
+        </p:nvSpPr>
+        <p:spPr>
+          <a:xfrm>
+            <a:off x="1316335" y="5224342"/>
+            <a:ext cx="1003777" cy="529390"/>
+          </a:xfrm>
+          <a:prstGeom prst="rect">
+            <a:avLst/>
+          </a:prstGeom>
+        </p:spPr>
+        <p:style>
+          <a:lnRef idx="2">
+            <a:schemeClr val="accent1">
+              <a:shade val="50000"/>
+            </a:schemeClr>
+          </a:lnRef>
+          <a:fillRef idx="1">
+            <a:schemeClr val="accent1"/>
+          </a:fillRef>
+          <a:effectRef idx="0">
+            <a:schemeClr val="accent1"/>
+          </a:effectRef>
+          <a:fontRef idx="minor">
+            <a:schemeClr val="lt1"/>
+          </a:fontRef>
+        </p:style>
+        <p:txBody>
+          <a:bodyPr rtlCol="0" anchor="ctr"/>
+          <a:lstStyle/>
+          <a:p>
+            <a:pPr algn="ctr"/>
+            <a:r>
+              <a:rPr lang="en-US" altLang="zh-CN" dirty="0" smtClean="0"/>
+              <a:t>SP</a:t>
+            </a:r>
+            <a:endParaRPr lang="zh-CN" altLang="en-US" dirty="0"/>
+          </a:p>
+        </p:txBody>
+      </p:sp>
+      <p:cxnSp>
+        <p:nvCxnSpPr>
+          <p:cNvPr id="130" name="Straight Arrow Connector 129"/>
+          <p:cNvCxnSpPr/>
+          <p:nvPr/>
+        </p:nvCxnSpPr>
+        <p:spPr>
+          <a:xfrm>
+            <a:off x="2315281" y="5489037"/>
+            <a:ext cx="607485" cy="0"/>
+          </a:xfrm>
+          <a:prstGeom prst="straightConnector1">
+            <a:avLst/>
+          </a:prstGeom>
+          <a:ln w="38100">
+            <a:tailEnd type="triangle"/>
+          </a:ln>
+        </p:spPr>
+        <p:style>
+          <a:lnRef idx="1">
+            <a:schemeClr val="accent1"/>
+          </a:lnRef>
+          <a:fillRef idx="0">
+            <a:schemeClr val="accent1"/>
+          </a:fillRef>
+          <a:effectRef idx="0">
+            <a:schemeClr val="accent1"/>
+          </a:effectRef>
+          <a:fontRef idx="minor">
+            <a:schemeClr val="tx1"/>
+          </a:fontRef>
+        </p:style>
+      </p:cxnSp>
+      <p:cxnSp>
+        <p:nvCxnSpPr>
+          <p:cNvPr id="136" name="Straight Arrow Connector 135"/>
+          <p:cNvCxnSpPr/>
+          <p:nvPr/>
+        </p:nvCxnSpPr>
+        <p:spPr>
+          <a:xfrm>
+            <a:off x="436604" y="5489037"/>
+            <a:ext cx="879731" cy="0"/>
+          </a:xfrm>
+          <a:prstGeom prst="straightConnector1">
+            <a:avLst/>
+          </a:prstGeom>
+          <a:ln w="38100">
+            <a:tailEnd type="triangle"/>
+          </a:ln>
+        </p:spPr>
+        <p:style>
+          <a:lnRef idx="1">
+            <a:schemeClr val="accent1"/>
+          </a:lnRef>
+          <a:fillRef idx="0">
+            <a:schemeClr val="accent1"/>
+          </a:fillRef>
+          <a:effectRef idx="0">
+            <a:schemeClr val="accent1"/>
+          </a:effectRef>
+          <a:fontRef idx="minor">
+            <a:schemeClr val="tx1"/>
+          </a:fontRef>
+        </p:style>
+      </p:cxnSp>
+      <p:cxnSp>
+        <p:nvCxnSpPr>
+          <p:cNvPr id="146" name="Straight Connector 145"/>
+          <p:cNvCxnSpPr/>
+          <p:nvPr/>
+        </p:nvCxnSpPr>
+        <p:spPr>
+          <a:xfrm flipH="1">
+            <a:off x="1107179" y="5332654"/>
+            <a:ext cx="216736" cy="0"/>
+          </a:xfrm>
+          <a:prstGeom prst="line">
+            <a:avLst/>
+          </a:prstGeom>
+          <a:ln/>
+        </p:spPr>
+        <p:style>
+          <a:lnRef idx="1">
+            <a:schemeClr val="dk1"/>
+          </a:lnRef>
+          <a:fillRef idx="0">
+            <a:schemeClr val="dk1"/>
+          </a:fillRef>
+          <a:effectRef idx="0">
+            <a:schemeClr val="dk1"/>
+          </a:effectRef>
+          <a:fontRef idx="minor">
+            <a:schemeClr val="tx1"/>
+          </a:fontRef>
+        </p:style>
+      </p:cxnSp>
+      <p:sp>
+        <p:nvSpPr>
+          <p:cNvPr id="152" name="Rectangle 151"/>
+          <p:cNvSpPr/>
+          <p:nvPr/>
+        </p:nvSpPr>
+        <p:spPr>
+          <a:xfrm>
+            <a:off x="372037" y="5198967"/>
+            <a:ext cx="819455" cy="261610"/>
+          </a:xfrm>
+          <a:prstGeom prst="rect">
+            <a:avLst/>
+          </a:prstGeom>
+        </p:spPr>
+        <p:txBody>
+          <a:bodyPr wrap="none">
+            <a:spAutoFit/>
+          </a:bodyPr>
+          <a:lstStyle/>
+          <a:p>
+            <a:r>
+              <a:rPr lang="en-US" altLang="zh-CN" sz="1100" dirty="0" smtClean="0">
+                <a:solidFill>
+                  <a:srgbClr val="24292E"/>
+                </a:solidFill>
+                <a:latin typeface="-apple-system"/>
+              </a:rPr>
+              <a:t>SP_IN_BUS</a:t>
+            </a:r>
+            <a:endParaRPr lang="zh-CN" altLang="en-US" sz="1100" dirty="0"/>
+          </a:p>
+        </p:txBody>
+      </p:sp>
+      <p:cxnSp>
+        <p:nvCxnSpPr>
+          <p:cNvPr id="153" name="Straight Connector 152"/>
+          <p:cNvCxnSpPr/>
+          <p:nvPr/>
+        </p:nvCxnSpPr>
+        <p:spPr>
+          <a:xfrm flipH="1">
+            <a:off x="1107179" y="5651185"/>
+            <a:ext cx="216736" cy="0"/>
+          </a:xfrm>
+          <a:prstGeom prst="line">
+            <a:avLst/>
+          </a:prstGeom>
+          <a:ln/>
+        </p:spPr>
+        <p:style>
+          <a:lnRef idx="1">
+            <a:schemeClr val="dk1"/>
+          </a:lnRef>
+          <a:fillRef idx="0">
+            <a:schemeClr val="dk1"/>
+          </a:fillRef>
+          <a:effectRef idx="0">
+            <a:schemeClr val="dk1"/>
+          </a:effectRef>
+          <a:fontRef idx="minor">
+            <a:schemeClr val="tx1"/>
+          </a:fontRef>
+        </p:style>
+      </p:cxnSp>
+      <p:sp>
+        <p:nvSpPr>
+          <p:cNvPr id="154" name="Rectangle 153"/>
+          <p:cNvSpPr/>
+          <p:nvPr/>
+        </p:nvSpPr>
+        <p:spPr>
+          <a:xfrm>
+            <a:off x="336770" y="5517498"/>
+            <a:ext cx="889987" cy="261610"/>
+          </a:xfrm>
+          <a:prstGeom prst="rect">
+            <a:avLst/>
+          </a:prstGeom>
+        </p:spPr>
+        <p:txBody>
+          <a:bodyPr wrap="none">
+            <a:spAutoFit/>
+          </a:bodyPr>
+          <a:lstStyle/>
+          <a:p>
+            <a:r>
+              <a:rPr lang="en-US" altLang="zh-CN" sz="1100" dirty="0" smtClean="0">
+                <a:solidFill>
+                  <a:srgbClr val="24292E"/>
+                </a:solidFill>
+                <a:latin typeface="-apple-system"/>
+              </a:rPr>
+              <a:t>SP_OUT_BUS</a:t>
+            </a:r>
+            <a:endParaRPr lang="zh-CN" altLang="en-US" sz="1100" dirty="0"/>
+          </a:p>
+        </p:txBody>
+      </p:sp>
+      <p:cxnSp>
+        <p:nvCxnSpPr>
+          <p:cNvPr id="160" name="Straight Connector 159"/>
+          <p:cNvCxnSpPr/>
+          <p:nvPr/>
+        </p:nvCxnSpPr>
+        <p:spPr>
+          <a:xfrm flipH="1">
+            <a:off x="2308435" y="5332697"/>
+            <a:ext cx="216736" cy="0"/>
+          </a:xfrm>
+          <a:prstGeom prst="line">
+            <a:avLst/>
+          </a:prstGeom>
+          <a:ln/>
+        </p:spPr>
+        <p:style>
+          <a:lnRef idx="1">
+            <a:schemeClr val="dk1"/>
+          </a:lnRef>
+          <a:fillRef idx="0">
+            <a:schemeClr val="dk1"/>
+          </a:fillRef>
+          <a:effectRef idx="0">
+            <a:schemeClr val="dk1"/>
+          </a:effectRef>
+          <a:fontRef idx="minor">
+            <a:schemeClr val="tx1"/>
+          </a:fontRef>
+        </p:style>
+      </p:cxnSp>
+      <p:sp>
+        <p:nvSpPr>
+          <p:cNvPr id="161" name="Rectangle 160"/>
+          <p:cNvSpPr/>
+          <p:nvPr/>
+        </p:nvSpPr>
+        <p:spPr>
+          <a:xfrm>
+            <a:off x="2482701" y="5201892"/>
+            <a:ext cx="396262" cy="261610"/>
+          </a:xfrm>
+          <a:prstGeom prst="rect">
+            <a:avLst/>
+          </a:prstGeom>
+        </p:spPr>
+        <p:txBody>
+          <a:bodyPr wrap="none">
+            <a:spAutoFit/>
+          </a:bodyPr>
+          <a:lstStyle/>
+          <a:p>
+            <a:r>
+              <a:rPr lang="en-US" altLang="zh-CN" sz="1100" dirty="0" smtClean="0">
+                <a:solidFill>
+                  <a:srgbClr val="24292E"/>
+                </a:solidFill>
+                <a:latin typeface="-apple-system"/>
+              </a:rPr>
+              <a:t>CLK</a:t>
             </a:r>
             <a:endParaRPr lang="zh-CN" altLang="en-US" sz="1100" dirty="0"/>
           </a:p>

--- a/数据通路图.pptx
+++ b/数据通路图.pptx
@@ -4786,8 +4786,8 @@
         </p:nvSpPr>
         <p:spPr>
           <a:xfrm rot="5400000">
-            <a:off x="3601580" y="1070727"/>
-            <a:ext cx="960519" cy="261610"/>
+            <a:off x="3636846" y="1070727"/>
+            <a:ext cx="889987" cy="261610"/>
           </a:xfrm>
           <a:prstGeom prst="rect">
             <a:avLst/>
@@ -4806,7 +4806,7 @@
                 </a:solidFill>
                 <a:latin typeface="-apple-system"/>
               </a:rPr>
-              <a:t>REG_OUT_BUS</a:t>
+              <a:t>REG_OUT_EN</a:t>
             </a:r>
             <a:endParaRPr lang="zh-CN" altLang="en-US" sz="1100" dirty="0"/>
           </a:p>
@@ -6783,7 +6783,7 @@
         <p:spPr>
           <a:xfrm>
             <a:off x="2970816" y="325267"/>
-            <a:ext cx="889987" cy="261610"/>
+            <a:ext cx="819455" cy="261610"/>
           </a:xfrm>
           <a:prstGeom prst="rect">
             <a:avLst/>
@@ -6802,7 +6802,7 @@
                 </a:solidFill>
                 <a:latin typeface="-apple-system"/>
               </a:rPr>
-              <a:t>REG_IN_BUS</a:t>
+              <a:t>REG_IN_EN</a:t>
             </a:r>
             <a:endParaRPr lang="zh-CN" altLang="en-US" sz="1100" dirty="0"/>
           </a:p>

--- a/数据通路图.pptx
+++ b/数据通路图.pptx
@@ -7110,6 +7110,50 @@
               <a:t>CLK</a:t>
             </a:r>
             <a:endParaRPr lang="zh-CN" altLang="en-US" sz="1100" dirty="0"/>
+          </a:p>
+        </p:txBody>
+      </p:sp>
+      <p:sp>
+        <p:nvSpPr>
+          <p:cNvPr id="3" name="Rectangle 2"/>
+          <p:cNvSpPr/>
+          <p:nvPr/>
+        </p:nvSpPr>
+        <p:spPr>
+          <a:xfrm>
+            <a:off x="6325587" y="4118919"/>
+            <a:ext cx="3609245" cy="2316419"/>
+          </a:xfrm>
+          <a:prstGeom prst="rect">
+            <a:avLst/>
+          </a:prstGeom>
+        </p:spPr>
+        <p:style>
+          <a:lnRef idx="2">
+            <a:schemeClr val="accent1">
+              <a:shade val="50000"/>
+            </a:schemeClr>
+          </a:lnRef>
+          <a:fillRef idx="1">
+            <a:schemeClr val="accent1"/>
+          </a:fillRef>
+          <a:effectRef idx="0">
+            <a:schemeClr val="accent1"/>
+          </a:effectRef>
+          <a:fontRef idx="minor">
+            <a:schemeClr val="lt1"/>
+          </a:fontRef>
+        </p:style>
+        <p:txBody>
+          <a:bodyPr rtlCol="0" anchor="ctr"/>
+          <a:lstStyle/>
+          <a:p>
+            <a:pPr algn="ctr"/>
+            <a:r>
+              <a:rPr lang="en-US" altLang="zh-CN" dirty="0" smtClean="0"/>
+              <a:t>Controller</a:t>
+            </a:r>
+            <a:endParaRPr lang="zh-CN" altLang="en-US" dirty="0"/>
           </a:p>
         </p:txBody>
       </p:sp>
